--- a/Android异步通信/AsyncTask/AsyncTask.pptx
+++ b/Android异步通信/AsyncTask/AsyncTask.pptx
@@ -5,13 +5,18 @@
     <p:sldMasterId id="2147483649" r:id="rId1"/>
   </p:sldMasterIdLst>
   <p:notesMasterIdLst>
-    <p:notesMasterId r:id="rId6"/>
+    <p:notesMasterId r:id="rId11"/>
   </p:notesMasterIdLst>
   <p:sldIdLst>
     <p:sldId id="256" r:id="rId2"/>
     <p:sldId id="259" r:id="rId3"/>
     <p:sldId id="260" r:id="rId4"/>
-    <p:sldId id="258" r:id="rId5"/>
+    <p:sldId id="261" r:id="rId5"/>
+    <p:sldId id="262" r:id="rId6"/>
+    <p:sldId id="263" r:id="rId7"/>
+    <p:sldId id="264" r:id="rId8"/>
+    <p:sldId id="265" r:id="rId9"/>
+    <p:sldId id="258" r:id="rId10"/>
   </p:sldIdLst>
   <p:sldSz cx="9144000" cy="6858000" type="screen4x3"/>
   <p:notesSz cx="6858000" cy="9144000"/>
@@ -234,7 +239,7 @@
               <a:pPr>
                 <a:defRPr/>
               </a:pPr>
-              <a:t>2014/3/28</a:t>
+              <a:t>2014/3/29</a:t>
             </a:fld>
             <a:endParaRPr lang="zh-CN" altLang="en-US"/>
           </a:p>
@@ -3993,8 +3998,16 @@
           <a:lstStyle/>
           <a:p>
             <a:r>
+              <a:rPr lang="en-US" altLang="zh-CN" dirty="0" err="1" smtClean="0"/>
+              <a:t>AsyncTask</a:t>
+            </a:r>
+            <a:r>
               <a:rPr lang="zh-CN" altLang="en-US" dirty="0" smtClean="0"/>
-              <a:t>功能概述及</a:t>
+              <a:t>功能</a:t>
+            </a:r>
+            <a:r>
+              <a:rPr lang="zh-CN" altLang="en-US" dirty="0" smtClean="0"/>
+              <a:t>概述及</a:t>
             </a:r>
             <a:r>
               <a:rPr lang="zh-CN" altLang="en-US" dirty="0"/>
@@ -4008,29 +4021,14 @@
           </a:p>
           <a:p>
             <a:r>
-              <a:rPr lang="en-US" altLang="zh-CN" dirty="0" smtClean="0"/>
-              <a:t>Handler</a:t>
+              <a:rPr lang="en-US" altLang="zh-CN" dirty="0" err="1" smtClean="0"/>
+              <a:t>AsyncTask</a:t>
             </a:r>
             <a:r>
               <a:rPr lang="zh-CN" altLang="en-US" dirty="0" smtClean="0"/>
-              <a:t>消息传递机制的工作原理</a:t>
+              <a:t>的一般用法</a:t>
             </a:r>
             <a:endParaRPr lang="en-US" altLang="zh-CN" dirty="0" smtClean="0"/>
-          </a:p>
-          <a:p>
-            <a:r>
-              <a:rPr lang="zh-CN" altLang="en-US" dirty="0"/>
-              <a:t>在代码中使用</a:t>
-            </a:r>
-            <a:r>
-              <a:rPr lang="en-US" altLang="zh-CN" dirty="0" smtClean="0"/>
-              <a:t>Handler</a:t>
-            </a:r>
-            <a:r>
-              <a:rPr lang="zh-CN" altLang="en-US" dirty="0" smtClean="0"/>
-              <a:t>传递消息</a:t>
-            </a:r>
-            <a:endParaRPr lang="zh-CN" altLang="en-US" dirty="0"/>
           </a:p>
           <a:p>
             <a:r>
@@ -4038,12 +4036,16 @@
               <a:t>使用</a:t>
             </a:r>
             <a:r>
-              <a:rPr lang="en-US" altLang="zh-CN" dirty="0" smtClean="0"/>
-              <a:t>Handler</a:t>
+              <a:rPr lang="en-US" altLang="zh-CN" dirty="0" err="1" smtClean="0"/>
+              <a:t>AsyncTask</a:t>
             </a:r>
             <a:r>
               <a:rPr lang="zh-CN" altLang="en-US" dirty="0" smtClean="0"/>
-              <a:t>传递消息的注意事项</a:t>
+              <a:t>的</a:t>
+            </a:r>
+            <a:r>
+              <a:rPr lang="zh-CN" altLang="en-US" dirty="0" smtClean="0"/>
+              <a:t>注意事项</a:t>
             </a:r>
             <a:endParaRPr lang="zh-CN" altLang="en-US" dirty="0"/>
           </a:p>
@@ -4110,8 +4112,16 @@
           <a:lstStyle/>
           <a:p>
             <a:r>
+              <a:rPr lang="en-US" altLang="zh-CN" dirty="0" err="1" smtClean="0"/>
+              <a:t>AsyncTask</a:t>
+            </a:r>
+            <a:r>
               <a:rPr lang="zh-CN" altLang="en-US" dirty="0" smtClean="0"/>
-              <a:t>功能概述及</a:t>
+              <a:t>功能</a:t>
+            </a:r>
+            <a:r>
+              <a:rPr lang="zh-CN" altLang="en-US" dirty="0" smtClean="0"/>
+              <a:t>概述及</a:t>
             </a:r>
             <a:r>
               <a:rPr lang="zh-CN" altLang="en-US" dirty="0"/>
@@ -4142,7 +4152,11 @@
           <a:p>
             <a:r>
               <a:rPr lang="zh-CN" altLang="en-US" dirty="0" smtClean="0"/>
-              <a:t>功能概述</a:t>
+              <a:t>功能</a:t>
+            </a:r>
+            <a:r>
+              <a:rPr lang="zh-CN" altLang="en-US" dirty="0" smtClean="0"/>
+              <a:t>概述</a:t>
             </a:r>
             <a:endParaRPr lang="en-US" altLang="zh-CN" dirty="0" smtClean="0"/>
           </a:p>
@@ -4150,7 +4164,7 @@
             <a:pPr lvl="1"/>
             <a:r>
               <a:rPr lang="zh-CN" altLang="en-US" dirty="0" smtClean="0"/>
-              <a:t>执行计划任务</a:t>
+              <a:t>中文名：异步任务</a:t>
             </a:r>
             <a:endParaRPr lang="en-US" altLang="zh-CN" dirty="0" smtClean="0"/>
           </a:p>
@@ -4158,7 +4172,31 @@
             <a:pPr lvl="1"/>
             <a:r>
               <a:rPr lang="zh-CN" altLang="en-US" dirty="0" smtClean="0"/>
-              <a:t>线程间通信</a:t>
+              <a:t>线程间通信的易用工具类</a:t>
+            </a:r>
+            <a:endParaRPr lang="en-US" altLang="zh-CN" dirty="0" smtClean="0"/>
+          </a:p>
+          <a:p>
+            <a:pPr lvl="1"/>
+            <a:r>
+              <a:rPr lang="zh-CN" altLang="en-US" dirty="0" smtClean="0"/>
+              <a:t>在</a:t>
+            </a:r>
+            <a:r>
+              <a:rPr lang="en-US" altLang="zh-CN" dirty="0" smtClean="0"/>
+              <a:t>Thread</a:t>
+            </a:r>
+            <a:r>
+              <a:rPr lang="zh-CN" altLang="en-US" dirty="0" smtClean="0"/>
+              <a:t>和</a:t>
+            </a:r>
+            <a:r>
+              <a:rPr lang="en-US" altLang="zh-CN" dirty="0" smtClean="0"/>
+              <a:t>Handler</a:t>
+            </a:r>
+            <a:r>
+              <a:rPr lang="zh-CN" altLang="en-US" dirty="0" smtClean="0"/>
+              <a:t>的基础上封装而成</a:t>
             </a:r>
             <a:endParaRPr lang="en-US" altLang="zh-CN" dirty="0" smtClean="0"/>
           </a:p>
@@ -4173,51 +4211,15 @@
             <a:pPr lvl="1"/>
             <a:r>
               <a:rPr lang="zh-CN" altLang="en-US" dirty="0" smtClean="0"/>
-              <a:t>在子线程中修改</a:t>
+              <a:t>与</a:t>
             </a:r>
             <a:r>
               <a:rPr lang="en-US" altLang="zh-CN" dirty="0" smtClean="0"/>
-              <a:t>Activity</a:t>
+              <a:t>Handler</a:t>
             </a:r>
             <a:r>
               <a:rPr lang="zh-CN" altLang="en-US" dirty="0" smtClean="0"/>
-              <a:t>里的</a:t>
-            </a:r>
-            <a:r>
-              <a:rPr lang="en-US" altLang="zh-CN" dirty="0" smtClean="0"/>
-              <a:t>UI</a:t>
-            </a:r>
-            <a:r>
-              <a:rPr lang="zh-CN" altLang="en-US" dirty="0" smtClean="0"/>
-              <a:t>组件</a:t>
-            </a:r>
-            <a:endParaRPr lang="en-US" altLang="zh-CN" dirty="0" smtClean="0"/>
-          </a:p>
-          <a:p>
-            <a:pPr lvl="2"/>
-            <a:r>
-              <a:rPr lang="zh-CN" altLang="en-US" dirty="0"/>
-              <a:t>主</a:t>
-            </a:r>
-            <a:r>
-              <a:rPr lang="zh-CN" altLang="en-US" dirty="0" smtClean="0"/>
-              <a:t>线程负责处理与</a:t>
-            </a:r>
-            <a:r>
-              <a:rPr lang="en-US" altLang="zh-CN" dirty="0" smtClean="0"/>
-              <a:t>UI</a:t>
-            </a:r>
-            <a:r>
-              <a:rPr lang="zh-CN" altLang="en-US" dirty="0" smtClean="0"/>
-              <a:t>相关工作</a:t>
-            </a:r>
-            <a:r>
-              <a:rPr lang="en-US" altLang="zh-CN" dirty="0" smtClean="0"/>
-              <a:t>(</a:t>
-            </a:r>
-            <a:r>
-              <a:rPr lang="zh-CN" altLang="en-US" dirty="0" smtClean="0"/>
-              <a:t>用户响应</a:t>
+              <a:t>相比</a:t>
             </a:r>
             <a:r>
               <a:rPr lang="en-US" altLang="zh-CN" dirty="0" smtClean="0"/>
@@ -4225,150 +4227,104 @@
             </a:r>
             <a:r>
               <a:rPr lang="zh-CN" altLang="en-US" dirty="0" smtClean="0"/>
-              <a:t>绘图</a:t>
-            </a:r>
-            <a:r>
-              <a:rPr lang="en-US" altLang="zh-CN" dirty="0" smtClean="0"/>
-              <a:t>)</a:t>
-            </a:r>
+              <a:t>它主要适合的场合</a:t>
+            </a:r>
+            <a:endParaRPr lang="en-US" altLang="zh-CN" dirty="0" smtClean="0"/>
           </a:p>
           <a:p>
             <a:pPr lvl="2"/>
             <a:r>
               <a:rPr lang="zh-CN" altLang="en-US" dirty="0" smtClean="0"/>
-              <a:t>子线程用于处理耗时操作</a:t>
-            </a:r>
-            <a:r>
-              <a:rPr lang="en-US" altLang="zh-CN" dirty="0" smtClean="0"/>
-              <a:t>(</a:t>
-            </a:r>
-            <a:r>
-              <a:rPr lang="zh-CN" altLang="en-US" dirty="0" smtClean="0"/>
-              <a:t>复杂计算</a:t>
-            </a:r>
-            <a:r>
-              <a:rPr lang="en-US" altLang="zh-CN" dirty="0" smtClean="0"/>
-              <a:t>,</a:t>
-            </a:r>
-            <a:r>
-              <a:rPr lang="zh-CN" altLang="en-US" dirty="0" smtClean="0"/>
-              <a:t>网络</a:t>
-            </a:r>
-            <a:r>
-              <a:rPr lang="en-US" altLang="zh-CN" dirty="0" smtClean="0"/>
-              <a:t>)</a:t>
-            </a:r>
-          </a:p>
-          <a:p>
-            <a:pPr lvl="2"/>
-            <a:r>
-              <a:rPr lang="zh-CN" altLang="en-US" dirty="0" smtClean="0"/>
-              <a:t>当子线程获得结果时</a:t>
-            </a:r>
-            <a:r>
-              <a:rPr lang="en-US" altLang="zh-CN" dirty="0" smtClean="0"/>
-              <a:t>,</a:t>
-            </a:r>
-            <a:r>
-              <a:rPr lang="zh-CN" altLang="en-US" dirty="0" smtClean="0"/>
-              <a:t>需要根据该结果更新</a:t>
-            </a:r>
-            <a:r>
-              <a:rPr lang="en-US" altLang="zh-CN" dirty="0" smtClean="0"/>
-              <a:t>UI</a:t>
-            </a:r>
-          </a:p>
-          <a:p>
-            <a:pPr lvl="2"/>
-            <a:r>
-              <a:rPr lang="zh-CN" altLang="en-US" dirty="0">
+              <a:t>主要用在</a:t>
+            </a:r>
+            <a:r>
+              <a:rPr lang="zh-CN" altLang="en-US" dirty="0" smtClean="0">
                 <a:solidFill>
-                  <a:srgbClr val="FFC000"/>
+                  <a:srgbClr val="FFFF00"/>
                 </a:solidFill>
               </a:rPr>
-              <a:t>只允许主线程</a:t>
-            </a:r>
-            <a:r>
-              <a:rPr lang="en-US" altLang="zh-CN" dirty="0">
+              <a:t>子线程与</a:t>
+            </a:r>
+            <a:r>
+              <a:rPr lang="en-US" altLang="zh-CN" dirty="0" smtClean="0">
                 <a:solidFill>
-                  <a:srgbClr val="FFC000"/>
+                  <a:srgbClr val="FFFF00"/>
                 </a:solidFill>
               </a:rPr>
-              <a:t>(UI</a:t>
-            </a:r>
-            <a:r>
-              <a:rPr lang="zh-CN" altLang="en-US" dirty="0">
+              <a:t>UI</a:t>
+            </a:r>
+            <a:r>
+              <a:rPr lang="zh-CN" altLang="en-US" dirty="0" smtClean="0">
                 <a:solidFill>
-                  <a:srgbClr val="FFC000"/>
+                  <a:srgbClr val="FFFF00"/>
                 </a:solidFill>
               </a:rPr>
               <a:t>线程</a:t>
             </a:r>
             <a:r>
-              <a:rPr lang="en-US" altLang="zh-CN" dirty="0">
+              <a:rPr lang="zh-CN" altLang="en-US" dirty="0"/>
+              <a:t>之间</a:t>
+            </a:r>
+            <a:r>
+              <a:rPr lang="zh-CN" altLang="en-US" dirty="0" smtClean="0"/>
+              <a:t>的通信</a:t>
+            </a:r>
+            <a:endParaRPr lang="en-US" altLang="zh-CN" dirty="0" smtClean="0"/>
+          </a:p>
+          <a:p>
+            <a:pPr lvl="2"/>
+            <a:r>
+              <a:rPr lang="zh-CN" altLang="en-US" dirty="0" smtClean="0"/>
+              <a:t>在子线程中执行的任务相对比较</a:t>
+            </a:r>
+            <a:r>
+              <a:rPr lang="zh-CN" altLang="en-US" dirty="0" smtClean="0">
                 <a:solidFill>
-                  <a:srgbClr val="FFC000"/>
+                  <a:srgbClr val="FFFF00"/>
                 </a:solidFill>
               </a:rPr>
+              <a:t>短小</a:t>
+            </a:r>
+            <a:r>
+              <a:rPr lang="en-US" altLang="zh-CN" dirty="0" smtClean="0"/>
+              <a:t>(</a:t>
+            </a:r>
+            <a:r>
+              <a:rPr lang="zh-CN" altLang="en-US" dirty="0" smtClean="0"/>
+              <a:t>几秒</a:t>
+            </a:r>
+            <a:r>
+              <a:rPr lang="en-US" altLang="zh-CN" dirty="0" smtClean="0"/>
               <a:t>)</a:t>
             </a:r>
-            <a:r>
-              <a:rPr lang="zh-CN" altLang="en-US" dirty="0">
+          </a:p>
+          <a:p>
+            <a:pPr lvl="2"/>
+            <a:r>
+              <a:rPr lang="zh-CN" altLang="en-US" dirty="0" smtClean="0"/>
+              <a:t>主要目的就是在子线程中</a:t>
+            </a:r>
+            <a:r>
+              <a:rPr lang="zh-CN" altLang="en-US" dirty="0" smtClean="0">
                 <a:solidFill>
-                  <a:srgbClr val="FFC000"/>
+                  <a:srgbClr val="FFFF00"/>
                 </a:solidFill>
               </a:rPr>
-              <a:t>修改</a:t>
-            </a:r>
-            <a:r>
-              <a:rPr lang="en-US" altLang="zh-CN" dirty="0">
-                <a:solidFill>
-                  <a:srgbClr val="FFC000"/>
-                </a:solidFill>
-              </a:rPr>
-              <a:t>Activity</a:t>
-            </a:r>
-            <a:r>
-              <a:rPr lang="zh-CN" altLang="en-US" dirty="0">
-                <a:solidFill>
-                  <a:srgbClr val="FFC000"/>
-                </a:solidFill>
-              </a:rPr>
-              <a:t>的</a:t>
-            </a:r>
-            <a:r>
-              <a:rPr lang="en-US" altLang="zh-CN" dirty="0">
-                <a:solidFill>
-                  <a:srgbClr val="FFC000"/>
-                </a:solidFill>
-              </a:rPr>
+              <a:t>更容易</a:t>
+            </a:r>
+            <a:r>
+              <a:rPr lang="zh-CN" altLang="en-US" dirty="0" smtClean="0"/>
+              <a:t>地更新</a:t>
+            </a:r>
+            <a:r>
+              <a:rPr lang="en-US" altLang="zh-CN" dirty="0" smtClean="0"/>
               <a:t>UI</a:t>
             </a:r>
             <a:r>
-              <a:rPr lang="zh-CN" altLang="en-US" dirty="0">
-                <a:solidFill>
-                  <a:srgbClr val="FFC000"/>
-                </a:solidFill>
-              </a:rPr>
+              <a:rPr lang="zh-CN" altLang="en-US" dirty="0" smtClean="0"/>
               <a:t>组件</a:t>
             </a:r>
-            <a:endParaRPr lang="en-US" altLang="zh-CN" dirty="0">
-              <a:solidFill>
-                <a:srgbClr val="FFC000"/>
-              </a:solidFill>
-            </a:endParaRPr>
-          </a:p>
-          <a:p>
-            <a:pPr lvl="2"/>
             <a:endParaRPr lang="en-US" altLang="zh-CN" dirty="0" smtClean="0"/>
-          </a:p>
-          <a:p>
-            <a:pPr lvl="2"/>
-            <a:endParaRPr lang="en-US" altLang="zh-CN" dirty="0" smtClean="0"/>
-          </a:p>
-          <a:p>
-            <a:pPr lvl="2"/>
-            <a:endParaRPr lang="zh-CN" altLang="en-US" dirty="0"/>
           </a:p>
         </p:txBody>
       </p:sp>
@@ -4393,6 +4349,2769 @@
 </file>
 
 <file path=ppt/slides/slide4.xml><?xml version="1.0" encoding="utf-8"?>
+<p:sld xmlns:a="http://schemas.openxmlformats.org/drawingml/2006/main" xmlns:r="http://schemas.openxmlformats.org/officeDocument/2006/relationships" xmlns:p="http://schemas.openxmlformats.org/presentationml/2006/main">
+  <p:cSld>
+    <p:spTree>
+      <p:nvGrpSpPr>
+        <p:cNvPr id="1" name=""/>
+        <p:cNvGrpSpPr/>
+        <p:nvPr/>
+      </p:nvGrpSpPr>
+      <p:grpSpPr>
+        <a:xfrm>
+          <a:off x="0" y="0"/>
+          <a:ext cx="0" cy="0"/>
+          <a:chOff x="0" y="0"/>
+          <a:chExt cx="0" cy="0"/>
+        </a:xfrm>
+      </p:grpSpPr>
+      <p:sp>
+        <p:nvSpPr>
+          <p:cNvPr id="2" name="标题 1"/>
+          <p:cNvSpPr>
+            <a:spLocks noGrp="1"/>
+          </p:cNvSpPr>
+          <p:nvPr>
+            <p:ph type="title"/>
+          </p:nvPr>
+        </p:nvSpPr>
+        <p:spPr/>
+        <p:txBody>
+          <a:bodyPr/>
+          <a:lstStyle/>
+          <a:p>
+            <a:r>
+              <a:rPr lang="en-US" altLang="zh-CN" dirty="0" err="1"/>
+              <a:t>AsyncTask</a:t>
+            </a:r>
+            <a:r>
+              <a:rPr lang="zh-CN" altLang="en-US" dirty="0"/>
+              <a:t>的一般</a:t>
+            </a:r>
+            <a:r>
+              <a:rPr lang="zh-CN" altLang="en-US" dirty="0" smtClean="0"/>
+              <a:t>用法</a:t>
+            </a:r>
+            <a:endParaRPr lang="zh-CN" altLang="en-US" dirty="0"/>
+          </a:p>
+        </p:txBody>
+      </p:sp>
+      <p:sp>
+        <p:nvSpPr>
+          <p:cNvPr id="3" name="内容占位符 2"/>
+          <p:cNvSpPr>
+            <a:spLocks noGrp="1"/>
+          </p:cNvSpPr>
+          <p:nvPr>
+            <p:ph idx="1"/>
+          </p:nvPr>
+        </p:nvSpPr>
+        <p:spPr>
+          <a:xfrm>
+            <a:off x="1403350" y="1314450"/>
+            <a:ext cx="7561263" cy="674390"/>
+          </a:xfrm>
+        </p:spPr>
+        <p:txBody>
+          <a:bodyPr/>
+          <a:lstStyle/>
+          <a:p>
+            <a:r>
+              <a:rPr lang="en-US" altLang="zh-CN" dirty="0" err="1" smtClean="0"/>
+              <a:t>AsyncTask</a:t>
+            </a:r>
+            <a:r>
+              <a:rPr lang="zh-CN" altLang="en-US" dirty="0" smtClean="0"/>
+              <a:t>的主要执行过程</a:t>
+            </a:r>
+            <a:endParaRPr lang="en-US" altLang="zh-CN" dirty="0" smtClean="0"/>
+          </a:p>
+          <a:p>
+            <a:endParaRPr lang="en-US" altLang="zh-CN" dirty="0" smtClean="0"/>
+          </a:p>
+        </p:txBody>
+      </p:sp>
+      <p:sp>
+        <p:nvSpPr>
+          <p:cNvPr id="4" name="下箭头 3"/>
+          <p:cNvSpPr/>
+          <p:nvPr/>
+        </p:nvSpPr>
+        <p:spPr bwMode="auto">
+          <a:xfrm>
+            <a:off x="1655676" y="2060848"/>
+            <a:ext cx="2088232" cy="4320480"/>
+          </a:xfrm>
+          <a:prstGeom prst="downArrow">
+            <a:avLst/>
+          </a:prstGeom>
+          <a:ln>
+            <a:headEnd type="none" w="med" len="med"/>
+            <a:tailEnd type="none" w="med" len="med"/>
+          </a:ln>
+        </p:spPr>
+        <p:style>
+          <a:lnRef idx="2">
+            <a:schemeClr val="accent4">
+              <a:shade val="50000"/>
+            </a:schemeClr>
+          </a:lnRef>
+          <a:fillRef idx="1">
+            <a:schemeClr val="accent4"/>
+          </a:fillRef>
+          <a:effectRef idx="0">
+            <a:schemeClr val="accent4"/>
+          </a:effectRef>
+          <a:fontRef idx="minor">
+            <a:schemeClr val="lt1"/>
+          </a:fontRef>
+        </p:style>
+        <p:txBody>
+          <a:bodyPr vert="horz" wrap="square" lIns="91440" tIns="45720" rIns="91440" bIns="45720" numCol="1" rtlCol="0" anchor="t" anchorCtr="0" compatLnSpc="1">
+            <a:prstTxWarp prst="textNoShape">
+              <a:avLst/>
+            </a:prstTxWarp>
+          </a:bodyPr>
+          <a:lstStyle/>
+          <a:p>
+            <a:pPr marL="0" marR="0" indent="0" algn="l" defTabSz="914400" rtl="0" eaLnBrk="0" fontAlgn="base" latinLnBrk="0" hangingPunct="0">
+              <a:lnSpc>
+                <a:spcPct val="100000"/>
+              </a:lnSpc>
+              <a:spcBef>
+                <a:spcPct val="0"/>
+              </a:spcBef>
+              <a:spcAft>
+                <a:spcPct val="0"/>
+              </a:spcAft>
+              <a:buClrTx/>
+              <a:buSzTx/>
+              <a:buFontTx/>
+              <a:buNone/>
+              <a:tabLst/>
+            </a:pPr>
+            <a:endParaRPr kumimoji="0" lang="zh-CN" altLang="en-US" sz="1800" b="0" i="0" u="none" strike="noStrike" cap="none" normalizeH="0" baseline="0" smtClean="0">
+              <a:ln>
+                <a:noFill/>
+              </a:ln>
+              <a:solidFill>
+                <a:schemeClr val="tx1"/>
+              </a:solidFill>
+              <a:effectLst/>
+              <a:latin typeface="Verdana" pitchFamily="34" charset="0"/>
+            </a:endParaRPr>
+          </a:p>
+        </p:txBody>
+      </p:sp>
+      <p:sp>
+        <p:nvSpPr>
+          <p:cNvPr id="5" name="TextBox 4"/>
+          <p:cNvSpPr txBox="1"/>
+          <p:nvPr/>
+        </p:nvSpPr>
+        <p:spPr>
+          <a:xfrm>
+            <a:off x="2303748" y="2204864"/>
+            <a:ext cx="792088" cy="307777"/>
+          </a:xfrm>
+          <a:prstGeom prst="rect">
+            <a:avLst/>
+          </a:prstGeom>
+          <a:noFill/>
+        </p:spPr>
+        <p:txBody>
+          <a:bodyPr wrap="square" rtlCol="0">
+            <a:spAutoFit/>
+          </a:bodyPr>
+          <a:lstStyle/>
+          <a:p>
+            <a:r>
+              <a:rPr lang="en-US" altLang="zh-CN" sz="1400" dirty="0" smtClean="0">
+                <a:solidFill>
+                  <a:schemeClr val="bg2"/>
+                </a:solidFill>
+              </a:rPr>
+              <a:t>UI</a:t>
+            </a:r>
+            <a:r>
+              <a:rPr lang="zh-CN" altLang="en-US" sz="1400" dirty="0" smtClean="0">
+                <a:solidFill>
+                  <a:schemeClr val="bg2"/>
+                </a:solidFill>
+              </a:rPr>
+              <a:t>线程</a:t>
+            </a:r>
+            <a:endParaRPr lang="zh-CN" altLang="en-US" sz="1400" dirty="0">
+              <a:solidFill>
+                <a:schemeClr val="bg2"/>
+              </a:solidFill>
+            </a:endParaRPr>
+          </a:p>
+        </p:txBody>
+      </p:sp>
+      <p:sp>
+        <p:nvSpPr>
+          <p:cNvPr id="6" name="下箭头 5"/>
+          <p:cNvSpPr/>
+          <p:nvPr/>
+        </p:nvSpPr>
+        <p:spPr bwMode="auto">
+          <a:xfrm>
+            <a:off x="5652120" y="3284984"/>
+            <a:ext cx="1080120" cy="1584176"/>
+          </a:xfrm>
+          <a:prstGeom prst="downArrow">
+            <a:avLst/>
+          </a:prstGeom>
+          <a:ln>
+            <a:headEnd type="none" w="med" len="med"/>
+            <a:tailEnd type="none" w="med" len="med"/>
+          </a:ln>
+        </p:spPr>
+        <p:style>
+          <a:lnRef idx="1">
+            <a:schemeClr val="accent6"/>
+          </a:lnRef>
+          <a:fillRef idx="2">
+            <a:schemeClr val="accent6"/>
+          </a:fillRef>
+          <a:effectRef idx="1">
+            <a:schemeClr val="accent6"/>
+          </a:effectRef>
+          <a:fontRef idx="minor">
+            <a:schemeClr val="dk1"/>
+          </a:fontRef>
+        </p:style>
+        <p:txBody>
+          <a:bodyPr vert="horz" wrap="square" lIns="91440" tIns="45720" rIns="91440" bIns="45720" numCol="1" rtlCol="0" anchor="t" anchorCtr="0" compatLnSpc="1">
+            <a:prstTxWarp prst="textNoShape">
+              <a:avLst/>
+            </a:prstTxWarp>
+          </a:bodyPr>
+          <a:lstStyle/>
+          <a:p>
+            <a:pPr marL="0" marR="0" indent="0" algn="l" defTabSz="914400" rtl="0" eaLnBrk="0" fontAlgn="base" latinLnBrk="0" hangingPunct="0">
+              <a:lnSpc>
+                <a:spcPct val="100000"/>
+              </a:lnSpc>
+              <a:spcBef>
+                <a:spcPct val="0"/>
+              </a:spcBef>
+              <a:spcAft>
+                <a:spcPct val="0"/>
+              </a:spcAft>
+              <a:buClrTx/>
+              <a:buSzTx/>
+              <a:buFontTx/>
+              <a:buNone/>
+              <a:tabLst/>
+            </a:pPr>
+            <a:endParaRPr kumimoji="0" lang="zh-CN" altLang="en-US" sz="1800" b="0" i="0" u="none" strike="noStrike" cap="none" normalizeH="0" baseline="0" smtClean="0">
+              <a:ln>
+                <a:noFill/>
+              </a:ln>
+              <a:solidFill>
+                <a:schemeClr val="tx1"/>
+              </a:solidFill>
+              <a:effectLst/>
+              <a:latin typeface="Verdana" pitchFamily="34" charset="0"/>
+            </a:endParaRPr>
+          </a:p>
+        </p:txBody>
+      </p:sp>
+      <p:sp>
+        <p:nvSpPr>
+          <p:cNvPr id="7" name="TextBox 6"/>
+          <p:cNvSpPr txBox="1"/>
+          <p:nvPr/>
+        </p:nvSpPr>
+        <p:spPr>
+          <a:xfrm>
+            <a:off x="6012160" y="3476908"/>
+            <a:ext cx="360040" cy="923330"/>
+          </a:xfrm>
+          <a:prstGeom prst="rect">
+            <a:avLst/>
+          </a:prstGeom>
+          <a:noFill/>
+        </p:spPr>
+        <p:txBody>
+          <a:bodyPr wrap="square" rtlCol="0">
+            <a:spAutoFit/>
+          </a:bodyPr>
+          <a:lstStyle/>
+          <a:p>
+            <a:r>
+              <a:rPr lang="zh-CN" altLang="en-US" dirty="0" smtClean="0">
+                <a:solidFill>
+                  <a:srgbClr val="0070C0"/>
+                </a:solidFill>
+              </a:rPr>
+              <a:t>子线程</a:t>
+            </a:r>
+            <a:endParaRPr lang="zh-CN" altLang="en-US" dirty="0">
+              <a:solidFill>
+                <a:srgbClr val="0070C0"/>
+              </a:solidFill>
+            </a:endParaRPr>
+          </a:p>
+        </p:txBody>
+      </p:sp>
+      <p:sp>
+        <p:nvSpPr>
+          <p:cNvPr id="10" name="矩形 9"/>
+          <p:cNvSpPr/>
+          <p:nvPr/>
+        </p:nvSpPr>
+        <p:spPr bwMode="auto">
+          <a:xfrm>
+            <a:off x="2195736" y="3476908"/>
+            <a:ext cx="1008112" cy="240124"/>
+          </a:xfrm>
+          <a:prstGeom prst="rect">
+            <a:avLst/>
+          </a:prstGeom>
+          <a:ln>
+            <a:headEnd type="none" w="med" len="med"/>
+            <a:tailEnd type="none" w="med" len="med"/>
+          </a:ln>
+        </p:spPr>
+        <p:style>
+          <a:lnRef idx="1">
+            <a:schemeClr val="accent6"/>
+          </a:lnRef>
+          <a:fillRef idx="3">
+            <a:schemeClr val="accent6"/>
+          </a:fillRef>
+          <a:effectRef idx="2">
+            <a:schemeClr val="accent6"/>
+          </a:effectRef>
+          <a:fontRef idx="minor">
+            <a:schemeClr val="lt1"/>
+          </a:fontRef>
+        </p:style>
+        <p:txBody>
+          <a:bodyPr vert="horz" wrap="square" lIns="91440" tIns="45720" rIns="91440" bIns="45720" numCol="1" rtlCol="0" anchor="t" anchorCtr="0" compatLnSpc="1">
+            <a:prstTxWarp prst="textNoShape">
+              <a:avLst/>
+            </a:prstTxWarp>
+          </a:bodyPr>
+          <a:lstStyle/>
+          <a:p>
+            <a:pPr marL="0" marR="0" indent="0" algn="l" defTabSz="914400" rtl="0" eaLnBrk="0" fontAlgn="base" latinLnBrk="0" hangingPunct="0">
+              <a:lnSpc>
+                <a:spcPct val="100000"/>
+              </a:lnSpc>
+              <a:spcBef>
+                <a:spcPct val="0"/>
+              </a:spcBef>
+              <a:spcAft>
+                <a:spcPct val="0"/>
+              </a:spcAft>
+              <a:buClrTx/>
+              <a:buSzTx/>
+              <a:buFontTx/>
+              <a:buNone/>
+              <a:tabLst/>
+            </a:pPr>
+            <a:endParaRPr kumimoji="0" lang="zh-CN" altLang="en-US" sz="1800" b="0" i="0" u="none" strike="noStrike" cap="none" normalizeH="0" baseline="0" smtClean="0">
+              <a:ln>
+                <a:noFill/>
+              </a:ln>
+              <a:solidFill>
+                <a:schemeClr val="tx1"/>
+              </a:solidFill>
+              <a:effectLst/>
+              <a:latin typeface="Verdana" pitchFamily="34" charset="0"/>
+            </a:endParaRPr>
+          </a:p>
+        </p:txBody>
+      </p:sp>
+      <p:sp>
+        <p:nvSpPr>
+          <p:cNvPr id="8" name="椭圆 7"/>
+          <p:cNvSpPr/>
+          <p:nvPr/>
+        </p:nvSpPr>
+        <p:spPr bwMode="auto">
+          <a:xfrm>
+            <a:off x="2242592" y="3109059"/>
+            <a:ext cx="914400" cy="914400"/>
+          </a:xfrm>
+          <a:prstGeom prst="ellipse">
+            <a:avLst/>
+          </a:prstGeom>
+          <a:solidFill>
+            <a:schemeClr val="accent1"/>
+          </a:solidFill>
+          <a:ln w="9525" cap="flat" cmpd="sng" algn="ctr">
+            <a:solidFill>
+              <a:schemeClr val="tx1"/>
+            </a:solidFill>
+            <a:prstDash val="solid"/>
+            <a:round/>
+            <a:headEnd type="none" w="med" len="med"/>
+            <a:tailEnd type="none" w="med" len="med"/>
+          </a:ln>
+          <a:effectLst/>
+        </p:spPr>
+        <p:txBody>
+          <a:bodyPr vert="horz" wrap="square" lIns="91440" tIns="45720" rIns="91440" bIns="45720" numCol="1" rtlCol="0" anchor="t" anchorCtr="0" compatLnSpc="1">
+            <a:prstTxWarp prst="textNoShape">
+              <a:avLst/>
+            </a:prstTxWarp>
+          </a:bodyPr>
+          <a:lstStyle/>
+          <a:p>
+            <a:pPr marL="0" marR="0" indent="0" algn="l" defTabSz="914400" rtl="0" eaLnBrk="0" fontAlgn="base" latinLnBrk="0" hangingPunct="0">
+              <a:lnSpc>
+                <a:spcPct val="100000"/>
+              </a:lnSpc>
+              <a:spcBef>
+                <a:spcPct val="0"/>
+              </a:spcBef>
+              <a:spcAft>
+                <a:spcPct val="0"/>
+              </a:spcAft>
+              <a:buClrTx/>
+              <a:buSzTx/>
+              <a:buFontTx/>
+              <a:buNone/>
+              <a:tabLst/>
+            </a:pPr>
+            <a:endParaRPr kumimoji="0" lang="zh-CN" altLang="en-US" sz="1800" b="0" i="0" u="none" strike="noStrike" cap="none" normalizeH="0" baseline="0" smtClean="0">
+              <a:ln>
+                <a:noFill/>
+              </a:ln>
+              <a:solidFill>
+                <a:schemeClr val="tx1"/>
+              </a:solidFill>
+              <a:effectLst/>
+              <a:latin typeface="Verdana" pitchFamily="34" charset="0"/>
+            </a:endParaRPr>
+          </a:p>
+        </p:txBody>
+      </p:sp>
+      <p:sp>
+        <p:nvSpPr>
+          <p:cNvPr id="9" name="TextBox 8"/>
+          <p:cNvSpPr txBox="1"/>
+          <p:nvPr/>
+        </p:nvSpPr>
+        <p:spPr>
+          <a:xfrm>
+            <a:off x="2303748" y="3284984"/>
+            <a:ext cx="792088" cy="584775"/>
+          </a:xfrm>
+          <a:prstGeom prst="rect">
+            <a:avLst/>
+          </a:prstGeom>
+          <a:noFill/>
+        </p:spPr>
+        <p:txBody>
+          <a:bodyPr wrap="square" rtlCol="0">
+            <a:spAutoFit/>
+          </a:bodyPr>
+          <a:lstStyle/>
+          <a:p>
+            <a:pPr algn="ctr"/>
+            <a:r>
+              <a:rPr lang="en-US" altLang="zh-CN" sz="1600" dirty="0" err="1"/>
+              <a:t>A</a:t>
+            </a:r>
+            <a:r>
+              <a:rPr lang="en-US" altLang="zh-CN" sz="1600" dirty="0" err="1" smtClean="0"/>
+              <a:t>syncTask</a:t>
+            </a:r>
+            <a:endParaRPr lang="zh-CN" altLang="en-US" sz="1600" dirty="0"/>
+          </a:p>
+        </p:txBody>
+      </p:sp>
+      <p:cxnSp>
+        <p:nvCxnSpPr>
+          <p:cNvPr id="12" name="曲线连接符 11"/>
+          <p:cNvCxnSpPr>
+            <a:stCxn id="6" idx="2"/>
+          </p:cNvCxnSpPr>
+          <p:nvPr/>
+        </p:nvCxnSpPr>
+        <p:spPr bwMode="auto">
+          <a:xfrm rot="5400000">
+            <a:off x="4626006" y="3447002"/>
+            <a:ext cx="144016" cy="2988332"/>
+          </a:xfrm>
+          <a:prstGeom prst="curvedConnector2">
+            <a:avLst/>
+          </a:prstGeom>
+          <a:ln>
+            <a:headEnd type="none" w="med" len="med"/>
+            <a:tailEnd type="arrow"/>
+          </a:ln>
+        </p:spPr>
+        <p:style>
+          <a:lnRef idx="3">
+            <a:schemeClr val="accent4"/>
+          </a:lnRef>
+          <a:fillRef idx="0">
+            <a:schemeClr val="accent4"/>
+          </a:fillRef>
+          <a:effectRef idx="2">
+            <a:schemeClr val="accent4"/>
+          </a:effectRef>
+          <a:fontRef idx="minor">
+            <a:schemeClr val="tx1"/>
+          </a:fontRef>
+        </p:style>
+      </p:cxnSp>
+      <p:sp>
+        <p:nvSpPr>
+          <p:cNvPr id="13" name="TextBox 12"/>
+          <p:cNvSpPr txBox="1"/>
+          <p:nvPr/>
+        </p:nvSpPr>
+        <p:spPr>
+          <a:xfrm>
+            <a:off x="3743908" y="4571836"/>
+            <a:ext cx="1332148" cy="369332"/>
+          </a:xfrm>
+          <a:prstGeom prst="rect">
+            <a:avLst/>
+          </a:prstGeom>
+          <a:noFill/>
+        </p:spPr>
+        <p:txBody>
+          <a:bodyPr wrap="square" rtlCol="0">
+            <a:spAutoFit/>
+          </a:bodyPr>
+          <a:lstStyle/>
+          <a:p>
+            <a:pPr algn="ctr"/>
+            <a:r>
+              <a:rPr lang="zh-CN" altLang="en-US" dirty="0" smtClean="0"/>
+              <a:t>返回结果</a:t>
+            </a:r>
+            <a:endParaRPr lang="zh-CN" altLang="en-US" dirty="0"/>
+          </a:p>
+        </p:txBody>
+      </p:sp>
+      <p:sp>
+        <p:nvSpPr>
+          <p:cNvPr id="14" name="矩形 13"/>
+          <p:cNvSpPr/>
+          <p:nvPr/>
+        </p:nvSpPr>
+        <p:spPr bwMode="auto">
+          <a:xfrm>
+            <a:off x="2195736" y="4756502"/>
+            <a:ext cx="1008112" cy="400690"/>
+          </a:xfrm>
+          <a:prstGeom prst="rect">
+            <a:avLst/>
+          </a:prstGeom>
+          <a:solidFill>
+            <a:srgbClr val="92D050"/>
+          </a:solidFill>
+          <a:ln w="9525" cap="flat" cmpd="sng" algn="ctr">
+            <a:solidFill>
+              <a:schemeClr val="tx1"/>
+            </a:solidFill>
+            <a:prstDash val="solid"/>
+            <a:round/>
+            <a:headEnd type="none" w="med" len="med"/>
+            <a:tailEnd type="none" w="med" len="med"/>
+          </a:ln>
+          <a:effectLst/>
+        </p:spPr>
+        <p:txBody>
+          <a:bodyPr vert="horz" wrap="square" lIns="91440" tIns="45720" rIns="91440" bIns="45720" numCol="1" rtlCol="0" anchor="t" anchorCtr="0" compatLnSpc="1">
+            <a:prstTxWarp prst="textNoShape">
+              <a:avLst/>
+            </a:prstTxWarp>
+          </a:bodyPr>
+          <a:lstStyle/>
+          <a:p>
+            <a:pPr marL="0" marR="0" indent="0" algn="l" defTabSz="914400" rtl="0" eaLnBrk="0" fontAlgn="base" latinLnBrk="0" hangingPunct="0">
+              <a:lnSpc>
+                <a:spcPct val="100000"/>
+              </a:lnSpc>
+              <a:spcBef>
+                <a:spcPct val="0"/>
+              </a:spcBef>
+              <a:spcAft>
+                <a:spcPct val="0"/>
+              </a:spcAft>
+              <a:buClrTx/>
+              <a:buSzTx/>
+              <a:buFontTx/>
+              <a:buNone/>
+              <a:tabLst/>
+            </a:pPr>
+            <a:endParaRPr kumimoji="0" lang="zh-CN" altLang="en-US" sz="1800" b="0" i="0" u="none" strike="noStrike" cap="none" normalizeH="0" baseline="0" smtClean="0">
+              <a:ln>
+                <a:noFill/>
+              </a:ln>
+              <a:solidFill>
+                <a:schemeClr val="tx1"/>
+              </a:solidFill>
+              <a:effectLst/>
+              <a:latin typeface="Verdana" pitchFamily="34" charset="0"/>
+            </a:endParaRPr>
+          </a:p>
+        </p:txBody>
+      </p:sp>
+      <p:sp>
+        <p:nvSpPr>
+          <p:cNvPr id="15" name="TextBox 14"/>
+          <p:cNvSpPr txBox="1"/>
+          <p:nvPr/>
+        </p:nvSpPr>
+        <p:spPr>
+          <a:xfrm>
+            <a:off x="2242592" y="4756502"/>
+            <a:ext cx="961256" cy="369332"/>
+          </a:xfrm>
+          <a:prstGeom prst="rect">
+            <a:avLst/>
+          </a:prstGeom>
+          <a:noFill/>
+        </p:spPr>
+        <p:txBody>
+          <a:bodyPr wrap="square" rtlCol="0">
+            <a:spAutoFit/>
+          </a:bodyPr>
+          <a:lstStyle/>
+          <a:p>
+            <a:r>
+              <a:rPr lang="zh-CN" altLang="en-US" dirty="0"/>
+              <a:t>更</a:t>
+            </a:r>
+            <a:r>
+              <a:rPr lang="zh-CN" altLang="en-US" dirty="0" smtClean="0"/>
+              <a:t>新</a:t>
+            </a:r>
+            <a:r>
+              <a:rPr lang="en-US" altLang="zh-CN" dirty="0" smtClean="0"/>
+              <a:t>UI</a:t>
+            </a:r>
+            <a:endParaRPr lang="zh-CN" altLang="en-US" dirty="0"/>
+          </a:p>
+        </p:txBody>
+      </p:sp>
+    </p:spTree>
+    <p:extLst>
+      <p:ext uri="{BB962C8B-B14F-4D97-AF65-F5344CB8AC3E}">
+        <p14:creationId xmlns:p14="http://schemas.microsoft.com/office/powerpoint/2010/main" val="838052969"/>
+      </p:ext>
+    </p:extLst>
+  </p:cSld>
+  <p:clrMapOvr>
+    <a:masterClrMapping/>
+  </p:clrMapOvr>
+  <p:timing>
+    <p:tnLst>
+      <p:par>
+        <p:cTn id="1" dur="indefinite" restart="never" nodeType="tmRoot">
+          <p:childTnLst>
+            <p:seq concurrent="1" nextAc="seek">
+              <p:cTn id="2" dur="indefinite" nodeType="mainSeq">
+                <p:childTnLst>
+                  <p:par>
+                    <p:cTn id="3" fill="hold">
+                      <p:stCondLst>
+                        <p:cond delay="indefinite"/>
+                      </p:stCondLst>
+                      <p:childTnLst>
+                        <p:par>
+                          <p:cTn id="4" fill="hold">
+                            <p:stCondLst>
+                              <p:cond delay="0"/>
+                            </p:stCondLst>
+                            <p:childTnLst>
+                              <p:par>
+                                <p:cTn id="5" presetID="16" presetClass="entr" presetSubtype="21" fill="hold" grpId="0" nodeType="clickEffect">
+                                  <p:stCondLst>
+                                    <p:cond delay="0"/>
+                                  </p:stCondLst>
+                                  <p:childTnLst>
+                                    <p:set>
+                                      <p:cBhvr>
+                                        <p:cTn id="6" dur="1" fill="hold">
+                                          <p:stCondLst>
+                                            <p:cond delay="0"/>
+                                          </p:stCondLst>
+                                        </p:cTn>
+                                        <p:tgtEl>
+                                          <p:spTgt spid="10"/>
+                                        </p:tgtEl>
+                                        <p:attrNameLst>
+                                          <p:attrName>style.visibility</p:attrName>
+                                        </p:attrNameLst>
+                                      </p:cBhvr>
+                                      <p:to>
+                                        <p:strVal val="visible"/>
+                                      </p:to>
+                                    </p:set>
+                                    <p:animEffect transition="in" filter="barn(inVertical)">
+                                      <p:cBhvr>
+                                        <p:cTn id="7" dur="500"/>
+                                        <p:tgtEl>
+                                          <p:spTgt spid="10"/>
+                                        </p:tgtEl>
+                                      </p:cBhvr>
+                                    </p:animEffect>
+                                  </p:childTnLst>
+                                </p:cTn>
+                              </p:par>
+                            </p:childTnLst>
+                          </p:cTn>
+                        </p:par>
+                      </p:childTnLst>
+                    </p:cTn>
+                  </p:par>
+                  <p:par>
+                    <p:cTn id="8" fill="hold">
+                      <p:stCondLst>
+                        <p:cond delay="indefinite"/>
+                      </p:stCondLst>
+                      <p:childTnLst>
+                        <p:par>
+                          <p:cTn id="9" fill="hold">
+                            <p:stCondLst>
+                              <p:cond delay="0"/>
+                            </p:stCondLst>
+                            <p:childTnLst>
+                              <p:par>
+                                <p:cTn id="10" presetID="21" presetClass="entr" presetSubtype="1" fill="hold" grpId="0" nodeType="clickEffect">
+                                  <p:stCondLst>
+                                    <p:cond delay="0"/>
+                                  </p:stCondLst>
+                                  <p:childTnLst>
+                                    <p:set>
+                                      <p:cBhvr>
+                                        <p:cTn id="11" dur="1" fill="hold">
+                                          <p:stCondLst>
+                                            <p:cond delay="0"/>
+                                          </p:stCondLst>
+                                        </p:cTn>
+                                        <p:tgtEl>
+                                          <p:spTgt spid="9"/>
+                                        </p:tgtEl>
+                                        <p:attrNameLst>
+                                          <p:attrName>style.visibility</p:attrName>
+                                        </p:attrNameLst>
+                                      </p:cBhvr>
+                                      <p:to>
+                                        <p:strVal val="visible"/>
+                                      </p:to>
+                                    </p:set>
+                                    <p:animEffect transition="in" filter="wheel(1)">
+                                      <p:cBhvr>
+                                        <p:cTn id="12" dur="2000"/>
+                                        <p:tgtEl>
+                                          <p:spTgt spid="9"/>
+                                        </p:tgtEl>
+                                      </p:cBhvr>
+                                    </p:animEffect>
+                                  </p:childTnLst>
+                                </p:cTn>
+                              </p:par>
+                              <p:par>
+                                <p:cTn id="13" presetID="21" presetClass="entr" presetSubtype="1" fill="hold" grpId="0" nodeType="withEffect">
+                                  <p:stCondLst>
+                                    <p:cond delay="0"/>
+                                  </p:stCondLst>
+                                  <p:childTnLst>
+                                    <p:set>
+                                      <p:cBhvr>
+                                        <p:cTn id="14" dur="1" fill="hold">
+                                          <p:stCondLst>
+                                            <p:cond delay="0"/>
+                                          </p:stCondLst>
+                                        </p:cTn>
+                                        <p:tgtEl>
+                                          <p:spTgt spid="8"/>
+                                        </p:tgtEl>
+                                        <p:attrNameLst>
+                                          <p:attrName>style.visibility</p:attrName>
+                                        </p:attrNameLst>
+                                      </p:cBhvr>
+                                      <p:to>
+                                        <p:strVal val="visible"/>
+                                      </p:to>
+                                    </p:set>
+                                    <p:animEffect transition="in" filter="wheel(1)">
+                                      <p:cBhvr>
+                                        <p:cTn id="15" dur="2000"/>
+                                        <p:tgtEl>
+                                          <p:spTgt spid="8"/>
+                                        </p:tgtEl>
+                                      </p:cBhvr>
+                                    </p:animEffect>
+                                  </p:childTnLst>
+                                </p:cTn>
+                              </p:par>
+                            </p:childTnLst>
+                          </p:cTn>
+                        </p:par>
+                      </p:childTnLst>
+                    </p:cTn>
+                  </p:par>
+                  <p:par>
+                    <p:cTn id="16" fill="hold">
+                      <p:stCondLst>
+                        <p:cond delay="indefinite"/>
+                      </p:stCondLst>
+                      <p:childTnLst>
+                        <p:par>
+                          <p:cTn id="17" fill="hold">
+                            <p:stCondLst>
+                              <p:cond delay="0"/>
+                            </p:stCondLst>
+                            <p:childTnLst>
+                              <p:par>
+                                <p:cTn id="18" presetID="50" presetClass="path" presetSubtype="0" accel="50000" decel="50000" fill="hold" grpId="1" nodeType="clickEffect">
+                                  <p:stCondLst>
+                                    <p:cond delay="0"/>
+                                  </p:stCondLst>
+                                  <p:childTnLst>
+                                    <p:animMotion origin="layout" path="M -0.00035 -0.00023 L -0.00035 -0.083 C -0.00035 -0.12046 0.10642 -0.1667 0.19323 -0.1667 L 0.38559 -0.1667 " pathEditMode="relative" rAng="16200000" ptsTypes="FfFF">
+                                      <p:cBhvr>
+                                        <p:cTn id="19" dur="2000" fill="hold"/>
+                                        <p:tgtEl>
+                                          <p:spTgt spid="9"/>
+                                        </p:tgtEl>
+                                        <p:attrNameLst>
+                                          <p:attrName>ppt_x</p:attrName>
+                                          <p:attrName>ppt_y</p:attrName>
+                                        </p:attrNameLst>
+                                      </p:cBhvr>
+                                      <p:rCtr x="19306" y="-8324"/>
+                                    </p:animMotion>
+                                  </p:childTnLst>
+                                </p:cTn>
+                              </p:par>
+                              <p:par>
+                                <p:cTn id="20" presetID="50" presetClass="path" presetSubtype="0" accel="50000" decel="50000" fill="hold" grpId="1" nodeType="withEffect">
+                                  <p:stCondLst>
+                                    <p:cond delay="0"/>
+                                  </p:stCondLst>
+                                  <p:childTnLst>
+                                    <p:animMotion origin="layout" path="M -0.00034 -0.00023 L -0.00034 -0.08301 C -0.00034 -0.12047 0.10643 -0.16671 0.19323 -0.16671 L 0.38559 -0.16671 " pathEditMode="relative" rAng="16200000" ptsTypes="FfFF">
+                                      <p:cBhvr>
+                                        <p:cTn id="21" dur="2000" fill="hold"/>
+                                        <p:tgtEl>
+                                          <p:spTgt spid="8"/>
+                                        </p:tgtEl>
+                                        <p:attrNameLst>
+                                          <p:attrName>ppt_x</p:attrName>
+                                          <p:attrName>ppt_y</p:attrName>
+                                        </p:attrNameLst>
+                                      </p:cBhvr>
+                                      <p:rCtr x="19306" y="-8324"/>
+                                    </p:animMotion>
+                                  </p:childTnLst>
+                                </p:cTn>
+                              </p:par>
+                            </p:childTnLst>
+                          </p:cTn>
+                        </p:par>
+                      </p:childTnLst>
+                    </p:cTn>
+                  </p:par>
+                  <p:par>
+                    <p:cTn id="22" fill="hold">
+                      <p:stCondLst>
+                        <p:cond delay="indefinite"/>
+                      </p:stCondLst>
+                      <p:childTnLst>
+                        <p:par>
+                          <p:cTn id="23" fill="hold">
+                            <p:stCondLst>
+                              <p:cond delay="0"/>
+                            </p:stCondLst>
+                            <p:childTnLst>
+                              <p:par>
+                                <p:cTn id="24" presetID="22" presetClass="entr" presetSubtype="1" fill="hold" grpId="0" nodeType="clickEffect">
+                                  <p:stCondLst>
+                                    <p:cond delay="0"/>
+                                  </p:stCondLst>
+                                  <p:childTnLst>
+                                    <p:set>
+                                      <p:cBhvr>
+                                        <p:cTn id="25" dur="1" fill="hold">
+                                          <p:stCondLst>
+                                            <p:cond delay="0"/>
+                                          </p:stCondLst>
+                                        </p:cTn>
+                                        <p:tgtEl>
+                                          <p:spTgt spid="6"/>
+                                        </p:tgtEl>
+                                        <p:attrNameLst>
+                                          <p:attrName>style.visibility</p:attrName>
+                                        </p:attrNameLst>
+                                      </p:cBhvr>
+                                      <p:to>
+                                        <p:strVal val="visible"/>
+                                      </p:to>
+                                    </p:set>
+                                    <p:animEffect transition="in" filter="wipe(up)">
+                                      <p:cBhvr>
+                                        <p:cTn id="26" dur="500"/>
+                                        <p:tgtEl>
+                                          <p:spTgt spid="6"/>
+                                        </p:tgtEl>
+                                      </p:cBhvr>
+                                    </p:animEffect>
+                                  </p:childTnLst>
+                                </p:cTn>
+                              </p:par>
+                              <p:par>
+                                <p:cTn id="27" presetID="22" presetClass="entr" presetSubtype="1" fill="hold" grpId="0" nodeType="withEffect">
+                                  <p:stCondLst>
+                                    <p:cond delay="0"/>
+                                  </p:stCondLst>
+                                  <p:childTnLst>
+                                    <p:set>
+                                      <p:cBhvr>
+                                        <p:cTn id="28" dur="1" fill="hold">
+                                          <p:stCondLst>
+                                            <p:cond delay="0"/>
+                                          </p:stCondLst>
+                                        </p:cTn>
+                                        <p:tgtEl>
+                                          <p:spTgt spid="7"/>
+                                        </p:tgtEl>
+                                        <p:attrNameLst>
+                                          <p:attrName>style.visibility</p:attrName>
+                                        </p:attrNameLst>
+                                      </p:cBhvr>
+                                      <p:to>
+                                        <p:strVal val="visible"/>
+                                      </p:to>
+                                    </p:set>
+                                    <p:animEffect transition="in" filter="wipe(up)">
+                                      <p:cBhvr>
+                                        <p:cTn id="29" dur="500"/>
+                                        <p:tgtEl>
+                                          <p:spTgt spid="7"/>
+                                        </p:tgtEl>
+                                      </p:cBhvr>
+                                    </p:animEffect>
+                                  </p:childTnLst>
+                                </p:cTn>
+                              </p:par>
+                            </p:childTnLst>
+                          </p:cTn>
+                        </p:par>
+                      </p:childTnLst>
+                    </p:cTn>
+                  </p:par>
+                  <p:par>
+                    <p:cTn id="30" fill="hold">
+                      <p:stCondLst>
+                        <p:cond delay="indefinite"/>
+                      </p:stCondLst>
+                      <p:childTnLst>
+                        <p:par>
+                          <p:cTn id="31" fill="hold">
+                            <p:stCondLst>
+                              <p:cond delay="0"/>
+                            </p:stCondLst>
+                            <p:childTnLst>
+                              <p:par>
+                                <p:cTn id="32" presetID="22" presetClass="entr" presetSubtype="2" fill="hold" nodeType="clickEffect">
+                                  <p:stCondLst>
+                                    <p:cond delay="0"/>
+                                  </p:stCondLst>
+                                  <p:childTnLst>
+                                    <p:set>
+                                      <p:cBhvr>
+                                        <p:cTn id="33" dur="1" fill="hold">
+                                          <p:stCondLst>
+                                            <p:cond delay="0"/>
+                                          </p:stCondLst>
+                                        </p:cTn>
+                                        <p:tgtEl>
+                                          <p:spTgt spid="12"/>
+                                        </p:tgtEl>
+                                        <p:attrNameLst>
+                                          <p:attrName>style.visibility</p:attrName>
+                                        </p:attrNameLst>
+                                      </p:cBhvr>
+                                      <p:to>
+                                        <p:strVal val="visible"/>
+                                      </p:to>
+                                    </p:set>
+                                    <p:animEffect transition="in" filter="wipe(right)">
+                                      <p:cBhvr>
+                                        <p:cTn id="34" dur="500"/>
+                                        <p:tgtEl>
+                                          <p:spTgt spid="12"/>
+                                        </p:tgtEl>
+                                      </p:cBhvr>
+                                    </p:animEffect>
+                                  </p:childTnLst>
+                                </p:cTn>
+                              </p:par>
+                              <p:par>
+                                <p:cTn id="35" presetID="22" presetClass="entr" presetSubtype="2" fill="hold" grpId="0" nodeType="withEffect">
+                                  <p:stCondLst>
+                                    <p:cond delay="0"/>
+                                  </p:stCondLst>
+                                  <p:childTnLst>
+                                    <p:set>
+                                      <p:cBhvr>
+                                        <p:cTn id="36" dur="1" fill="hold">
+                                          <p:stCondLst>
+                                            <p:cond delay="0"/>
+                                          </p:stCondLst>
+                                        </p:cTn>
+                                        <p:tgtEl>
+                                          <p:spTgt spid="13"/>
+                                        </p:tgtEl>
+                                        <p:attrNameLst>
+                                          <p:attrName>style.visibility</p:attrName>
+                                        </p:attrNameLst>
+                                      </p:cBhvr>
+                                      <p:to>
+                                        <p:strVal val="visible"/>
+                                      </p:to>
+                                    </p:set>
+                                    <p:animEffect transition="in" filter="wipe(right)">
+                                      <p:cBhvr>
+                                        <p:cTn id="37" dur="500"/>
+                                        <p:tgtEl>
+                                          <p:spTgt spid="13"/>
+                                        </p:tgtEl>
+                                      </p:cBhvr>
+                                    </p:animEffect>
+                                  </p:childTnLst>
+                                </p:cTn>
+                              </p:par>
+                            </p:childTnLst>
+                          </p:cTn>
+                        </p:par>
+                      </p:childTnLst>
+                    </p:cTn>
+                  </p:par>
+                  <p:par>
+                    <p:cTn id="38" fill="hold">
+                      <p:stCondLst>
+                        <p:cond delay="indefinite"/>
+                      </p:stCondLst>
+                      <p:childTnLst>
+                        <p:par>
+                          <p:cTn id="39" fill="hold">
+                            <p:stCondLst>
+                              <p:cond delay="0"/>
+                            </p:stCondLst>
+                            <p:childTnLst>
+                              <p:par>
+                                <p:cTn id="40" presetID="16" presetClass="entr" presetSubtype="21" fill="hold" grpId="0" nodeType="clickEffect">
+                                  <p:stCondLst>
+                                    <p:cond delay="0"/>
+                                  </p:stCondLst>
+                                  <p:childTnLst>
+                                    <p:set>
+                                      <p:cBhvr>
+                                        <p:cTn id="41" dur="1" fill="hold">
+                                          <p:stCondLst>
+                                            <p:cond delay="0"/>
+                                          </p:stCondLst>
+                                        </p:cTn>
+                                        <p:tgtEl>
+                                          <p:spTgt spid="14"/>
+                                        </p:tgtEl>
+                                        <p:attrNameLst>
+                                          <p:attrName>style.visibility</p:attrName>
+                                        </p:attrNameLst>
+                                      </p:cBhvr>
+                                      <p:to>
+                                        <p:strVal val="visible"/>
+                                      </p:to>
+                                    </p:set>
+                                    <p:animEffect transition="in" filter="barn(inVertical)">
+                                      <p:cBhvr>
+                                        <p:cTn id="42" dur="500"/>
+                                        <p:tgtEl>
+                                          <p:spTgt spid="14"/>
+                                        </p:tgtEl>
+                                      </p:cBhvr>
+                                    </p:animEffect>
+                                  </p:childTnLst>
+                                </p:cTn>
+                              </p:par>
+                              <p:par>
+                                <p:cTn id="43" presetID="16" presetClass="entr" presetSubtype="21" fill="hold" grpId="0" nodeType="withEffect">
+                                  <p:stCondLst>
+                                    <p:cond delay="0"/>
+                                  </p:stCondLst>
+                                  <p:childTnLst>
+                                    <p:set>
+                                      <p:cBhvr>
+                                        <p:cTn id="44" dur="1" fill="hold">
+                                          <p:stCondLst>
+                                            <p:cond delay="0"/>
+                                          </p:stCondLst>
+                                        </p:cTn>
+                                        <p:tgtEl>
+                                          <p:spTgt spid="15"/>
+                                        </p:tgtEl>
+                                        <p:attrNameLst>
+                                          <p:attrName>style.visibility</p:attrName>
+                                        </p:attrNameLst>
+                                      </p:cBhvr>
+                                      <p:to>
+                                        <p:strVal val="visible"/>
+                                      </p:to>
+                                    </p:set>
+                                    <p:animEffect transition="in" filter="barn(inVertical)">
+                                      <p:cBhvr>
+                                        <p:cTn id="45" dur="500"/>
+                                        <p:tgtEl>
+                                          <p:spTgt spid="15"/>
+                                        </p:tgtEl>
+                                      </p:cBhvr>
+                                    </p:animEffect>
+                                  </p:childTnLst>
+                                </p:cTn>
+                              </p:par>
+                            </p:childTnLst>
+                          </p:cTn>
+                        </p:par>
+                      </p:childTnLst>
+                    </p:cTn>
+                  </p:par>
+                  <p:par>
+                    <p:cTn id="46" fill="hold">
+                      <p:stCondLst>
+                        <p:cond delay="indefinite"/>
+                      </p:stCondLst>
+                      <p:childTnLst>
+                        <p:par>
+                          <p:cTn id="47" fill="hold">
+                            <p:stCondLst>
+                              <p:cond delay="0"/>
+                            </p:stCondLst>
+                            <p:childTnLst>
+                              <p:par>
+                                <p:cTn id="48" presetID="31" presetClass="exit" presetSubtype="0" fill="hold" grpId="2" nodeType="clickEffect">
+                                  <p:stCondLst>
+                                    <p:cond delay="0"/>
+                                  </p:stCondLst>
+                                  <p:childTnLst>
+                                    <p:anim calcmode="lin" valueType="num">
+                                      <p:cBhvr>
+                                        <p:cTn id="49" dur="1000"/>
+                                        <p:tgtEl>
+                                          <p:spTgt spid="9"/>
+                                        </p:tgtEl>
+                                        <p:attrNameLst>
+                                          <p:attrName>ppt_w</p:attrName>
+                                        </p:attrNameLst>
+                                      </p:cBhvr>
+                                      <p:tavLst>
+                                        <p:tav tm="0">
+                                          <p:val>
+                                            <p:strVal val="ppt_w"/>
+                                          </p:val>
+                                        </p:tav>
+                                        <p:tav tm="100000">
+                                          <p:val>
+                                            <p:fltVal val="0"/>
+                                          </p:val>
+                                        </p:tav>
+                                      </p:tavLst>
+                                    </p:anim>
+                                    <p:anim calcmode="lin" valueType="num">
+                                      <p:cBhvr>
+                                        <p:cTn id="50" dur="1000"/>
+                                        <p:tgtEl>
+                                          <p:spTgt spid="9"/>
+                                        </p:tgtEl>
+                                        <p:attrNameLst>
+                                          <p:attrName>ppt_h</p:attrName>
+                                        </p:attrNameLst>
+                                      </p:cBhvr>
+                                      <p:tavLst>
+                                        <p:tav tm="0">
+                                          <p:val>
+                                            <p:strVal val="ppt_h"/>
+                                          </p:val>
+                                        </p:tav>
+                                        <p:tav tm="100000">
+                                          <p:val>
+                                            <p:fltVal val="0"/>
+                                          </p:val>
+                                        </p:tav>
+                                      </p:tavLst>
+                                    </p:anim>
+                                    <p:anim calcmode="lin" valueType="num">
+                                      <p:cBhvr>
+                                        <p:cTn id="51" dur="1000"/>
+                                        <p:tgtEl>
+                                          <p:spTgt spid="9"/>
+                                        </p:tgtEl>
+                                        <p:attrNameLst>
+                                          <p:attrName>style.rotation</p:attrName>
+                                        </p:attrNameLst>
+                                      </p:cBhvr>
+                                      <p:tavLst>
+                                        <p:tav tm="0">
+                                          <p:val>
+                                            <p:fltVal val="0"/>
+                                          </p:val>
+                                        </p:tav>
+                                        <p:tav tm="100000">
+                                          <p:val>
+                                            <p:fltVal val="90"/>
+                                          </p:val>
+                                        </p:tav>
+                                      </p:tavLst>
+                                    </p:anim>
+                                    <p:animEffect transition="out" filter="fade">
+                                      <p:cBhvr>
+                                        <p:cTn id="52" dur="1000"/>
+                                        <p:tgtEl>
+                                          <p:spTgt spid="9"/>
+                                        </p:tgtEl>
+                                      </p:cBhvr>
+                                    </p:animEffect>
+                                    <p:set>
+                                      <p:cBhvr>
+                                        <p:cTn id="53" dur="1" fill="hold">
+                                          <p:stCondLst>
+                                            <p:cond delay="999"/>
+                                          </p:stCondLst>
+                                        </p:cTn>
+                                        <p:tgtEl>
+                                          <p:spTgt spid="9"/>
+                                        </p:tgtEl>
+                                        <p:attrNameLst>
+                                          <p:attrName>style.visibility</p:attrName>
+                                        </p:attrNameLst>
+                                      </p:cBhvr>
+                                      <p:to>
+                                        <p:strVal val="hidden"/>
+                                      </p:to>
+                                    </p:set>
+                                  </p:childTnLst>
+                                </p:cTn>
+                              </p:par>
+                              <p:par>
+                                <p:cTn id="54" presetID="31" presetClass="exit" presetSubtype="0" fill="hold" grpId="2" nodeType="withEffect">
+                                  <p:stCondLst>
+                                    <p:cond delay="0"/>
+                                  </p:stCondLst>
+                                  <p:childTnLst>
+                                    <p:anim calcmode="lin" valueType="num">
+                                      <p:cBhvr>
+                                        <p:cTn id="55" dur="1000"/>
+                                        <p:tgtEl>
+                                          <p:spTgt spid="8"/>
+                                        </p:tgtEl>
+                                        <p:attrNameLst>
+                                          <p:attrName>ppt_w</p:attrName>
+                                        </p:attrNameLst>
+                                      </p:cBhvr>
+                                      <p:tavLst>
+                                        <p:tav tm="0">
+                                          <p:val>
+                                            <p:strVal val="ppt_w"/>
+                                          </p:val>
+                                        </p:tav>
+                                        <p:tav tm="100000">
+                                          <p:val>
+                                            <p:fltVal val="0"/>
+                                          </p:val>
+                                        </p:tav>
+                                      </p:tavLst>
+                                    </p:anim>
+                                    <p:anim calcmode="lin" valueType="num">
+                                      <p:cBhvr>
+                                        <p:cTn id="56" dur="1000"/>
+                                        <p:tgtEl>
+                                          <p:spTgt spid="8"/>
+                                        </p:tgtEl>
+                                        <p:attrNameLst>
+                                          <p:attrName>ppt_h</p:attrName>
+                                        </p:attrNameLst>
+                                      </p:cBhvr>
+                                      <p:tavLst>
+                                        <p:tav tm="0">
+                                          <p:val>
+                                            <p:strVal val="ppt_h"/>
+                                          </p:val>
+                                        </p:tav>
+                                        <p:tav tm="100000">
+                                          <p:val>
+                                            <p:fltVal val="0"/>
+                                          </p:val>
+                                        </p:tav>
+                                      </p:tavLst>
+                                    </p:anim>
+                                    <p:anim calcmode="lin" valueType="num">
+                                      <p:cBhvr>
+                                        <p:cTn id="57" dur="1000"/>
+                                        <p:tgtEl>
+                                          <p:spTgt spid="8"/>
+                                        </p:tgtEl>
+                                        <p:attrNameLst>
+                                          <p:attrName>style.rotation</p:attrName>
+                                        </p:attrNameLst>
+                                      </p:cBhvr>
+                                      <p:tavLst>
+                                        <p:tav tm="0">
+                                          <p:val>
+                                            <p:fltVal val="0"/>
+                                          </p:val>
+                                        </p:tav>
+                                        <p:tav tm="100000">
+                                          <p:val>
+                                            <p:fltVal val="90"/>
+                                          </p:val>
+                                        </p:tav>
+                                      </p:tavLst>
+                                    </p:anim>
+                                    <p:animEffect transition="out" filter="fade">
+                                      <p:cBhvr>
+                                        <p:cTn id="58" dur="1000"/>
+                                        <p:tgtEl>
+                                          <p:spTgt spid="8"/>
+                                        </p:tgtEl>
+                                      </p:cBhvr>
+                                    </p:animEffect>
+                                    <p:set>
+                                      <p:cBhvr>
+                                        <p:cTn id="59" dur="1" fill="hold">
+                                          <p:stCondLst>
+                                            <p:cond delay="999"/>
+                                          </p:stCondLst>
+                                        </p:cTn>
+                                        <p:tgtEl>
+                                          <p:spTgt spid="8"/>
+                                        </p:tgtEl>
+                                        <p:attrNameLst>
+                                          <p:attrName>style.visibility</p:attrName>
+                                        </p:attrNameLst>
+                                      </p:cBhvr>
+                                      <p:to>
+                                        <p:strVal val="hidden"/>
+                                      </p:to>
+                                    </p:set>
+                                  </p:childTnLst>
+                                </p:cTn>
+                              </p:par>
+                              <p:par>
+                                <p:cTn id="60" presetID="31" presetClass="exit" presetSubtype="0" fill="hold" grpId="1" nodeType="withEffect">
+                                  <p:stCondLst>
+                                    <p:cond delay="0"/>
+                                  </p:stCondLst>
+                                  <p:childTnLst>
+                                    <p:anim calcmode="lin" valueType="num">
+                                      <p:cBhvr>
+                                        <p:cTn id="61" dur="1000"/>
+                                        <p:tgtEl>
+                                          <p:spTgt spid="6"/>
+                                        </p:tgtEl>
+                                        <p:attrNameLst>
+                                          <p:attrName>ppt_w</p:attrName>
+                                        </p:attrNameLst>
+                                      </p:cBhvr>
+                                      <p:tavLst>
+                                        <p:tav tm="0">
+                                          <p:val>
+                                            <p:strVal val="ppt_w"/>
+                                          </p:val>
+                                        </p:tav>
+                                        <p:tav tm="100000">
+                                          <p:val>
+                                            <p:fltVal val="0"/>
+                                          </p:val>
+                                        </p:tav>
+                                      </p:tavLst>
+                                    </p:anim>
+                                    <p:anim calcmode="lin" valueType="num">
+                                      <p:cBhvr>
+                                        <p:cTn id="62" dur="1000"/>
+                                        <p:tgtEl>
+                                          <p:spTgt spid="6"/>
+                                        </p:tgtEl>
+                                        <p:attrNameLst>
+                                          <p:attrName>ppt_h</p:attrName>
+                                        </p:attrNameLst>
+                                      </p:cBhvr>
+                                      <p:tavLst>
+                                        <p:tav tm="0">
+                                          <p:val>
+                                            <p:strVal val="ppt_h"/>
+                                          </p:val>
+                                        </p:tav>
+                                        <p:tav tm="100000">
+                                          <p:val>
+                                            <p:fltVal val="0"/>
+                                          </p:val>
+                                        </p:tav>
+                                      </p:tavLst>
+                                    </p:anim>
+                                    <p:anim calcmode="lin" valueType="num">
+                                      <p:cBhvr>
+                                        <p:cTn id="63" dur="1000"/>
+                                        <p:tgtEl>
+                                          <p:spTgt spid="6"/>
+                                        </p:tgtEl>
+                                        <p:attrNameLst>
+                                          <p:attrName>style.rotation</p:attrName>
+                                        </p:attrNameLst>
+                                      </p:cBhvr>
+                                      <p:tavLst>
+                                        <p:tav tm="0">
+                                          <p:val>
+                                            <p:fltVal val="0"/>
+                                          </p:val>
+                                        </p:tav>
+                                        <p:tav tm="100000">
+                                          <p:val>
+                                            <p:fltVal val="90"/>
+                                          </p:val>
+                                        </p:tav>
+                                      </p:tavLst>
+                                    </p:anim>
+                                    <p:animEffect transition="out" filter="fade">
+                                      <p:cBhvr>
+                                        <p:cTn id="64" dur="1000"/>
+                                        <p:tgtEl>
+                                          <p:spTgt spid="6"/>
+                                        </p:tgtEl>
+                                      </p:cBhvr>
+                                    </p:animEffect>
+                                    <p:set>
+                                      <p:cBhvr>
+                                        <p:cTn id="65" dur="1" fill="hold">
+                                          <p:stCondLst>
+                                            <p:cond delay="999"/>
+                                          </p:stCondLst>
+                                        </p:cTn>
+                                        <p:tgtEl>
+                                          <p:spTgt spid="6"/>
+                                        </p:tgtEl>
+                                        <p:attrNameLst>
+                                          <p:attrName>style.visibility</p:attrName>
+                                        </p:attrNameLst>
+                                      </p:cBhvr>
+                                      <p:to>
+                                        <p:strVal val="hidden"/>
+                                      </p:to>
+                                    </p:set>
+                                  </p:childTnLst>
+                                </p:cTn>
+                              </p:par>
+                              <p:par>
+                                <p:cTn id="66" presetID="31" presetClass="exit" presetSubtype="0" fill="hold" grpId="1" nodeType="withEffect">
+                                  <p:stCondLst>
+                                    <p:cond delay="0"/>
+                                  </p:stCondLst>
+                                  <p:childTnLst>
+                                    <p:anim calcmode="lin" valueType="num">
+                                      <p:cBhvr>
+                                        <p:cTn id="67" dur="1000"/>
+                                        <p:tgtEl>
+                                          <p:spTgt spid="7"/>
+                                        </p:tgtEl>
+                                        <p:attrNameLst>
+                                          <p:attrName>ppt_w</p:attrName>
+                                        </p:attrNameLst>
+                                      </p:cBhvr>
+                                      <p:tavLst>
+                                        <p:tav tm="0">
+                                          <p:val>
+                                            <p:strVal val="ppt_w"/>
+                                          </p:val>
+                                        </p:tav>
+                                        <p:tav tm="100000">
+                                          <p:val>
+                                            <p:fltVal val="0"/>
+                                          </p:val>
+                                        </p:tav>
+                                      </p:tavLst>
+                                    </p:anim>
+                                    <p:anim calcmode="lin" valueType="num">
+                                      <p:cBhvr>
+                                        <p:cTn id="68" dur="1000"/>
+                                        <p:tgtEl>
+                                          <p:spTgt spid="7"/>
+                                        </p:tgtEl>
+                                        <p:attrNameLst>
+                                          <p:attrName>ppt_h</p:attrName>
+                                        </p:attrNameLst>
+                                      </p:cBhvr>
+                                      <p:tavLst>
+                                        <p:tav tm="0">
+                                          <p:val>
+                                            <p:strVal val="ppt_h"/>
+                                          </p:val>
+                                        </p:tav>
+                                        <p:tav tm="100000">
+                                          <p:val>
+                                            <p:fltVal val="0"/>
+                                          </p:val>
+                                        </p:tav>
+                                      </p:tavLst>
+                                    </p:anim>
+                                    <p:anim calcmode="lin" valueType="num">
+                                      <p:cBhvr>
+                                        <p:cTn id="69" dur="1000"/>
+                                        <p:tgtEl>
+                                          <p:spTgt spid="7"/>
+                                        </p:tgtEl>
+                                        <p:attrNameLst>
+                                          <p:attrName>style.rotation</p:attrName>
+                                        </p:attrNameLst>
+                                      </p:cBhvr>
+                                      <p:tavLst>
+                                        <p:tav tm="0">
+                                          <p:val>
+                                            <p:fltVal val="0"/>
+                                          </p:val>
+                                        </p:tav>
+                                        <p:tav tm="100000">
+                                          <p:val>
+                                            <p:fltVal val="90"/>
+                                          </p:val>
+                                        </p:tav>
+                                      </p:tavLst>
+                                    </p:anim>
+                                    <p:animEffect transition="out" filter="fade">
+                                      <p:cBhvr>
+                                        <p:cTn id="70" dur="1000"/>
+                                        <p:tgtEl>
+                                          <p:spTgt spid="7"/>
+                                        </p:tgtEl>
+                                      </p:cBhvr>
+                                    </p:animEffect>
+                                    <p:set>
+                                      <p:cBhvr>
+                                        <p:cTn id="71" dur="1" fill="hold">
+                                          <p:stCondLst>
+                                            <p:cond delay="999"/>
+                                          </p:stCondLst>
+                                        </p:cTn>
+                                        <p:tgtEl>
+                                          <p:spTgt spid="7"/>
+                                        </p:tgtEl>
+                                        <p:attrNameLst>
+                                          <p:attrName>style.visibility</p:attrName>
+                                        </p:attrNameLst>
+                                      </p:cBhvr>
+                                      <p:to>
+                                        <p:strVal val="hidden"/>
+                                      </p:to>
+                                    </p:set>
+                                  </p:childTnLst>
+                                </p:cTn>
+                              </p:par>
+                              <p:par>
+                                <p:cTn id="72" presetID="31" presetClass="exit" presetSubtype="0" fill="hold" nodeType="withEffect">
+                                  <p:stCondLst>
+                                    <p:cond delay="0"/>
+                                  </p:stCondLst>
+                                  <p:childTnLst>
+                                    <p:anim calcmode="lin" valueType="num">
+                                      <p:cBhvr>
+                                        <p:cTn id="73" dur="1000"/>
+                                        <p:tgtEl>
+                                          <p:spTgt spid="12"/>
+                                        </p:tgtEl>
+                                        <p:attrNameLst>
+                                          <p:attrName>ppt_w</p:attrName>
+                                        </p:attrNameLst>
+                                      </p:cBhvr>
+                                      <p:tavLst>
+                                        <p:tav tm="0">
+                                          <p:val>
+                                            <p:strVal val="ppt_w"/>
+                                          </p:val>
+                                        </p:tav>
+                                        <p:tav tm="100000">
+                                          <p:val>
+                                            <p:fltVal val="0"/>
+                                          </p:val>
+                                        </p:tav>
+                                      </p:tavLst>
+                                    </p:anim>
+                                    <p:anim calcmode="lin" valueType="num">
+                                      <p:cBhvr>
+                                        <p:cTn id="74" dur="1000"/>
+                                        <p:tgtEl>
+                                          <p:spTgt spid="12"/>
+                                        </p:tgtEl>
+                                        <p:attrNameLst>
+                                          <p:attrName>ppt_h</p:attrName>
+                                        </p:attrNameLst>
+                                      </p:cBhvr>
+                                      <p:tavLst>
+                                        <p:tav tm="0">
+                                          <p:val>
+                                            <p:strVal val="ppt_h"/>
+                                          </p:val>
+                                        </p:tav>
+                                        <p:tav tm="100000">
+                                          <p:val>
+                                            <p:fltVal val="0"/>
+                                          </p:val>
+                                        </p:tav>
+                                      </p:tavLst>
+                                    </p:anim>
+                                    <p:anim calcmode="lin" valueType="num">
+                                      <p:cBhvr>
+                                        <p:cTn id="75" dur="1000"/>
+                                        <p:tgtEl>
+                                          <p:spTgt spid="12"/>
+                                        </p:tgtEl>
+                                        <p:attrNameLst>
+                                          <p:attrName>style.rotation</p:attrName>
+                                        </p:attrNameLst>
+                                      </p:cBhvr>
+                                      <p:tavLst>
+                                        <p:tav tm="0">
+                                          <p:val>
+                                            <p:fltVal val="0"/>
+                                          </p:val>
+                                        </p:tav>
+                                        <p:tav tm="100000">
+                                          <p:val>
+                                            <p:fltVal val="90"/>
+                                          </p:val>
+                                        </p:tav>
+                                      </p:tavLst>
+                                    </p:anim>
+                                    <p:animEffect transition="out" filter="fade">
+                                      <p:cBhvr>
+                                        <p:cTn id="76" dur="1000"/>
+                                        <p:tgtEl>
+                                          <p:spTgt spid="12"/>
+                                        </p:tgtEl>
+                                      </p:cBhvr>
+                                    </p:animEffect>
+                                    <p:set>
+                                      <p:cBhvr>
+                                        <p:cTn id="77" dur="1" fill="hold">
+                                          <p:stCondLst>
+                                            <p:cond delay="999"/>
+                                          </p:stCondLst>
+                                        </p:cTn>
+                                        <p:tgtEl>
+                                          <p:spTgt spid="12"/>
+                                        </p:tgtEl>
+                                        <p:attrNameLst>
+                                          <p:attrName>style.visibility</p:attrName>
+                                        </p:attrNameLst>
+                                      </p:cBhvr>
+                                      <p:to>
+                                        <p:strVal val="hidden"/>
+                                      </p:to>
+                                    </p:set>
+                                  </p:childTnLst>
+                                </p:cTn>
+                              </p:par>
+                              <p:par>
+                                <p:cTn id="78" presetID="31" presetClass="exit" presetSubtype="0" fill="hold" grpId="1" nodeType="withEffect">
+                                  <p:stCondLst>
+                                    <p:cond delay="0"/>
+                                  </p:stCondLst>
+                                  <p:childTnLst>
+                                    <p:anim calcmode="lin" valueType="num">
+                                      <p:cBhvr>
+                                        <p:cTn id="79" dur="1000"/>
+                                        <p:tgtEl>
+                                          <p:spTgt spid="13"/>
+                                        </p:tgtEl>
+                                        <p:attrNameLst>
+                                          <p:attrName>ppt_w</p:attrName>
+                                        </p:attrNameLst>
+                                      </p:cBhvr>
+                                      <p:tavLst>
+                                        <p:tav tm="0">
+                                          <p:val>
+                                            <p:strVal val="ppt_w"/>
+                                          </p:val>
+                                        </p:tav>
+                                        <p:tav tm="100000">
+                                          <p:val>
+                                            <p:fltVal val="0"/>
+                                          </p:val>
+                                        </p:tav>
+                                      </p:tavLst>
+                                    </p:anim>
+                                    <p:anim calcmode="lin" valueType="num">
+                                      <p:cBhvr>
+                                        <p:cTn id="80" dur="1000"/>
+                                        <p:tgtEl>
+                                          <p:spTgt spid="13"/>
+                                        </p:tgtEl>
+                                        <p:attrNameLst>
+                                          <p:attrName>ppt_h</p:attrName>
+                                        </p:attrNameLst>
+                                      </p:cBhvr>
+                                      <p:tavLst>
+                                        <p:tav tm="0">
+                                          <p:val>
+                                            <p:strVal val="ppt_h"/>
+                                          </p:val>
+                                        </p:tav>
+                                        <p:tav tm="100000">
+                                          <p:val>
+                                            <p:fltVal val="0"/>
+                                          </p:val>
+                                        </p:tav>
+                                      </p:tavLst>
+                                    </p:anim>
+                                    <p:anim calcmode="lin" valueType="num">
+                                      <p:cBhvr>
+                                        <p:cTn id="81" dur="1000"/>
+                                        <p:tgtEl>
+                                          <p:spTgt spid="13"/>
+                                        </p:tgtEl>
+                                        <p:attrNameLst>
+                                          <p:attrName>style.rotation</p:attrName>
+                                        </p:attrNameLst>
+                                      </p:cBhvr>
+                                      <p:tavLst>
+                                        <p:tav tm="0">
+                                          <p:val>
+                                            <p:fltVal val="0"/>
+                                          </p:val>
+                                        </p:tav>
+                                        <p:tav tm="100000">
+                                          <p:val>
+                                            <p:fltVal val="90"/>
+                                          </p:val>
+                                        </p:tav>
+                                      </p:tavLst>
+                                    </p:anim>
+                                    <p:animEffect transition="out" filter="fade">
+                                      <p:cBhvr>
+                                        <p:cTn id="82" dur="1000"/>
+                                        <p:tgtEl>
+                                          <p:spTgt spid="13"/>
+                                        </p:tgtEl>
+                                      </p:cBhvr>
+                                    </p:animEffect>
+                                    <p:set>
+                                      <p:cBhvr>
+                                        <p:cTn id="83" dur="1" fill="hold">
+                                          <p:stCondLst>
+                                            <p:cond delay="999"/>
+                                          </p:stCondLst>
+                                        </p:cTn>
+                                        <p:tgtEl>
+                                          <p:spTgt spid="13"/>
+                                        </p:tgtEl>
+                                        <p:attrNameLst>
+                                          <p:attrName>style.visibility</p:attrName>
+                                        </p:attrNameLst>
+                                      </p:cBhvr>
+                                      <p:to>
+                                        <p:strVal val="hidden"/>
+                                      </p:to>
+                                    </p:set>
+                                  </p:childTnLst>
+                                </p:cTn>
+                              </p:par>
+                            </p:childTnLst>
+                          </p:cTn>
+                        </p:par>
+                      </p:childTnLst>
+                    </p:cTn>
+                  </p:par>
+                </p:childTnLst>
+              </p:cTn>
+              <p:prevCondLst>
+                <p:cond evt="onPrev" delay="0">
+                  <p:tgtEl>
+                    <p:sldTgt/>
+                  </p:tgtEl>
+                </p:cond>
+              </p:prevCondLst>
+              <p:nextCondLst>
+                <p:cond evt="onNext" delay="0">
+                  <p:tgtEl>
+                    <p:sldTgt/>
+                  </p:tgtEl>
+                </p:cond>
+              </p:nextCondLst>
+            </p:seq>
+          </p:childTnLst>
+        </p:cTn>
+      </p:par>
+    </p:tnLst>
+    <p:bldLst>
+      <p:bldP spid="6" grpId="0" animBg="1"/>
+      <p:bldP spid="6" grpId="1" animBg="1"/>
+      <p:bldP spid="7" grpId="0"/>
+      <p:bldP spid="7" grpId="1"/>
+      <p:bldP spid="10" grpId="0" animBg="1"/>
+      <p:bldP spid="8" grpId="0" animBg="1"/>
+      <p:bldP spid="8" grpId="1" animBg="1"/>
+      <p:bldP spid="8" grpId="2" animBg="1"/>
+      <p:bldP spid="9" grpId="0"/>
+      <p:bldP spid="9" grpId="1"/>
+      <p:bldP spid="9" grpId="2"/>
+      <p:bldP spid="13" grpId="0"/>
+      <p:bldP spid="13" grpId="1"/>
+      <p:bldP spid="14" grpId="0" animBg="1"/>
+      <p:bldP spid="15" grpId="0"/>
+    </p:bldLst>
+  </p:timing>
+</p:sld>
+</file>
+
+<file path=ppt/slides/slide5.xml><?xml version="1.0" encoding="utf-8"?>
+<p:sld xmlns:a="http://schemas.openxmlformats.org/drawingml/2006/main" xmlns:r="http://schemas.openxmlformats.org/officeDocument/2006/relationships" xmlns:p="http://schemas.openxmlformats.org/presentationml/2006/main">
+  <p:cSld>
+    <p:spTree>
+      <p:nvGrpSpPr>
+        <p:cNvPr id="1" name=""/>
+        <p:cNvGrpSpPr/>
+        <p:nvPr/>
+      </p:nvGrpSpPr>
+      <p:grpSpPr>
+        <a:xfrm>
+          <a:off x="0" y="0"/>
+          <a:ext cx="0" cy="0"/>
+          <a:chOff x="0" y="0"/>
+          <a:chExt cx="0" cy="0"/>
+        </a:xfrm>
+      </p:grpSpPr>
+      <p:sp>
+        <p:nvSpPr>
+          <p:cNvPr id="2" name="标题 1"/>
+          <p:cNvSpPr>
+            <a:spLocks noGrp="1"/>
+          </p:cNvSpPr>
+          <p:nvPr>
+            <p:ph type="title"/>
+          </p:nvPr>
+        </p:nvSpPr>
+        <p:spPr/>
+        <p:txBody>
+          <a:bodyPr/>
+          <a:lstStyle/>
+          <a:p>
+            <a:r>
+              <a:rPr lang="en-US" altLang="zh-CN" dirty="0" err="1"/>
+              <a:t>AsyncTask</a:t>
+            </a:r>
+            <a:r>
+              <a:rPr lang="zh-CN" altLang="en-US" dirty="0"/>
+              <a:t>的一般用法</a:t>
+            </a:r>
+          </a:p>
+        </p:txBody>
+      </p:sp>
+      <p:sp>
+        <p:nvSpPr>
+          <p:cNvPr id="3" name="内容占位符 2"/>
+          <p:cNvSpPr>
+            <a:spLocks noGrp="1"/>
+          </p:cNvSpPr>
+          <p:nvPr>
+            <p:ph idx="1"/>
+          </p:nvPr>
+        </p:nvSpPr>
+        <p:spPr/>
+        <p:txBody>
+          <a:bodyPr/>
+          <a:lstStyle/>
+          <a:p>
+            <a:r>
+              <a:rPr lang="zh-CN" altLang="en-US" dirty="0" smtClean="0"/>
+              <a:t>使用</a:t>
+            </a:r>
+            <a:r>
+              <a:rPr lang="en-US" altLang="zh-CN" dirty="0" err="1" smtClean="0"/>
+              <a:t>AsyncTask</a:t>
+            </a:r>
+            <a:r>
+              <a:rPr lang="zh-CN" altLang="en-US" dirty="0" smtClean="0"/>
+              <a:t>的步骤</a:t>
+            </a:r>
+            <a:endParaRPr lang="en-US" altLang="zh-CN" dirty="0" smtClean="0"/>
+          </a:p>
+          <a:p>
+            <a:pPr marL="971550" lvl="1" indent="-514350">
+              <a:buFont typeface="+mj-lt"/>
+              <a:buAutoNum type="arabicPeriod"/>
+            </a:pPr>
+            <a:r>
+              <a:rPr lang="zh-CN" altLang="en-US" dirty="0" smtClean="0"/>
+              <a:t>创建一个类，继承</a:t>
+            </a:r>
+            <a:r>
+              <a:rPr lang="en-US" altLang="zh-CN" dirty="0" err="1" smtClean="0"/>
+              <a:t>AsyncTask</a:t>
+            </a:r>
+            <a:endParaRPr lang="en-US" altLang="zh-CN" dirty="0" smtClean="0"/>
+          </a:p>
+          <a:p>
+            <a:pPr marL="971550" lvl="1" indent="-514350">
+              <a:buFont typeface="+mj-lt"/>
+              <a:buAutoNum type="arabicPeriod"/>
+            </a:pPr>
+            <a:r>
+              <a:rPr lang="zh-CN" altLang="en-US" dirty="0" smtClean="0"/>
+              <a:t>实现</a:t>
+            </a:r>
+            <a:r>
+              <a:rPr lang="en-US" altLang="zh-CN" dirty="0" err="1" smtClean="0"/>
+              <a:t>AsyncTask</a:t>
+            </a:r>
+            <a:r>
+              <a:rPr lang="zh-CN" altLang="en-US" dirty="0" smtClean="0"/>
+              <a:t>类中的抽象方法</a:t>
+            </a:r>
+            <a:endParaRPr lang="en-US" altLang="zh-CN" dirty="0" smtClean="0"/>
+          </a:p>
+          <a:p>
+            <a:pPr marL="971550" lvl="1" indent="-514350">
+              <a:buFont typeface="+mj-lt"/>
+              <a:buAutoNum type="arabicPeriod"/>
+            </a:pPr>
+            <a:r>
+              <a:rPr lang="zh-CN" altLang="en-US" dirty="0" smtClean="0"/>
+              <a:t>在</a:t>
+            </a:r>
+            <a:r>
+              <a:rPr lang="en-US" altLang="zh-CN" dirty="0" smtClean="0"/>
+              <a:t>UI</a:t>
+            </a:r>
+            <a:r>
+              <a:rPr lang="zh-CN" altLang="en-US" dirty="0" smtClean="0"/>
+              <a:t>线程中创建</a:t>
+            </a:r>
+            <a:r>
+              <a:rPr lang="en-US" altLang="zh-CN" dirty="0" err="1" smtClean="0"/>
+              <a:t>AsyncTask</a:t>
+            </a:r>
+            <a:r>
+              <a:rPr lang="zh-CN" altLang="en-US" dirty="0" smtClean="0"/>
+              <a:t>实例</a:t>
+            </a:r>
+            <a:endParaRPr lang="en-US" altLang="zh-CN" dirty="0" smtClean="0"/>
+          </a:p>
+          <a:p>
+            <a:pPr marL="971550" lvl="1" indent="-514350">
+              <a:buFont typeface="+mj-lt"/>
+              <a:buAutoNum type="arabicPeriod"/>
+            </a:pPr>
+            <a:r>
+              <a:rPr lang="zh-CN" altLang="en-US" dirty="0" smtClean="0"/>
+              <a:t>启动并执行</a:t>
+            </a:r>
+            <a:r>
+              <a:rPr lang="en-US" altLang="zh-CN" dirty="0" err="1" smtClean="0"/>
+              <a:t>AsyncTask</a:t>
+            </a:r>
+            <a:endParaRPr lang="zh-CN" altLang="en-US" dirty="0"/>
+          </a:p>
+        </p:txBody>
+      </p:sp>
+    </p:spTree>
+    <p:extLst>
+      <p:ext uri="{BB962C8B-B14F-4D97-AF65-F5344CB8AC3E}">
+        <p14:creationId xmlns:p14="http://schemas.microsoft.com/office/powerpoint/2010/main" val="3142546090"/>
+      </p:ext>
+    </p:extLst>
+  </p:cSld>
+  <p:clrMapOvr>
+    <a:masterClrMapping/>
+  </p:clrMapOvr>
+  <p:timing>
+    <p:tnLst>
+      <p:par>
+        <p:cTn id="1" dur="indefinite" restart="never" nodeType="tmRoot"/>
+      </p:par>
+    </p:tnLst>
+  </p:timing>
+</p:sld>
+</file>
+
+<file path=ppt/slides/slide6.xml><?xml version="1.0" encoding="utf-8"?>
+<p:sld xmlns:a="http://schemas.openxmlformats.org/drawingml/2006/main" xmlns:r="http://schemas.openxmlformats.org/officeDocument/2006/relationships" xmlns:p="http://schemas.openxmlformats.org/presentationml/2006/main">
+  <p:cSld>
+    <p:spTree>
+      <p:nvGrpSpPr>
+        <p:cNvPr id="1" name=""/>
+        <p:cNvGrpSpPr/>
+        <p:nvPr/>
+      </p:nvGrpSpPr>
+      <p:grpSpPr>
+        <a:xfrm>
+          <a:off x="0" y="0"/>
+          <a:ext cx="0" cy="0"/>
+          <a:chOff x="0" y="0"/>
+          <a:chExt cx="0" cy="0"/>
+        </a:xfrm>
+      </p:grpSpPr>
+      <p:sp>
+        <p:nvSpPr>
+          <p:cNvPr id="2" name="标题 1"/>
+          <p:cNvSpPr>
+            <a:spLocks noGrp="1"/>
+          </p:cNvSpPr>
+          <p:nvPr>
+            <p:ph type="title"/>
+          </p:nvPr>
+        </p:nvSpPr>
+        <p:spPr/>
+        <p:txBody>
+          <a:bodyPr/>
+          <a:lstStyle/>
+          <a:p>
+            <a:r>
+              <a:rPr lang="en-US" altLang="zh-CN" dirty="0" err="1"/>
+              <a:t>AsyncTask</a:t>
+            </a:r>
+            <a:r>
+              <a:rPr lang="zh-CN" altLang="en-US" dirty="0"/>
+              <a:t>的一般用法</a:t>
+            </a:r>
+          </a:p>
+        </p:txBody>
+      </p:sp>
+      <p:sp>
+        <p:nvSpPr>
+          <p:cNvPr id="3" name="内容占位符 2"/>
+          <p:cNvSpPr>
+            <a:spLocks noGrp="1"/>
+          </p:cNvSpPr>
+          <p:nvPr>
+            <p:ph idx="1"/>
+          </p:nvPr>
+        </p:nvSpPr>
+        <p:spPr/>
+        <p:txBody>
+          <a:bodyPr/>
+          <a:lstStyle/>
+          <a:p>
+            <a:r>
+              <a:rPr lang="zh-CN" altLang="en-US" dirty="0" smtClean="0"/>
+              <a:t>创建一个类，继承</a:t>
+            </a:r>
+            <a:r>
+              <a:rPr lang="en-US" altLang="zh-CN" dirty="0" err="1" smtClean="0"/>
+              <a:t>AsyncTask</a:t>
+            </a:r>
+            <a:r>
+              <a:rPr lang="en-US" altLang="zh-CN" dirty="0" smtClean="0"/>
+              <a:t>&lt;...&gt;</a:t>
+            </a:r>
+          </a:p>
+          <a:p>
+            <a:pPr lvl="1"/>
+            <a:r>
+              <a:rPr lang="zh-CN" altLang="en-US" dirty="0" smtClean="0"/>
+              <a:t>在继承</a:t>
+            </a:r>
+            <a:r>
+              <a:rPr lang="en-US" altLang="zh-CN" dirty="0" err="1" smtClean="0"/>
+              <a:t>AsyncTask</a:t>
+            </a:r>
+            <a:r>
+              <a:rPr lang="zh-CN" altLang="en-US" dirty="0" smtClean="0"/>
+              <a:t>时</a:t>
+            </a:r>
+            <a:r>
+              <a:rPr lang="en-US" altLang="zh-CN" dirty="0" smtClean="0"/>
+              <a:t>,</a:t>
+            </a:r>
+            <a:r>
+              <a:rPr lang="zh-CN" altLang="en-US" dirty="0" smtClean="0"/>
+              <a:t>需要指定泛型参数</a:t>
+            </a:r>
+            <a:endParaRPr lang="en-US" altLang="zh-CN" dirty="0" smtClean="0"/>
+          </a:p>
+          <a:p>
+            <a:pPr lvl="2"/>
+            <a:r>
+              <a:rPr lang="en-US" altLang="zh-CN" dirty="0" err="1" smtClean="0">
+                <a:solidFill>
+                  <a:srgbClr val="FFFF00"/>
+                </a:solidFill>
+              </a:rPr>
+              <a:t>Params</a:t>
+            </a:r>
+            <a:r>
+              <a:rPr lang="en-US" altLang="zh-CN" dirty="0" smtClean="0">
+                <a:solidFill>
+                  <a:srgbClr val="FFFF00"/>
+                </a:solidFill>
+              </a:rPr>
+              <a:t>:</a:t>
+            </a:r>
+            <a:r>
+              <a:rPr lang="zh-CN" altLang="en-US" dirty="0" smtClean="0">
+                <a:solidFill>
+                  <a:srgbClr val="FFFF00"/>
+                </a:solidFill>
+              </a:rPr>
+              <a:t>启动任务执行的输入参数类型</a:t>
+            </a:r>
+            <a:endParaRPr lang="en-US" altLang="zh-CN" dirty="0" smtClean="0">
+              <a:solidFill>
+                <a:srgbClr val="FFFF00"/>
+              </a:solidFill>
+            </a:endParaRPr>
+          </a:p>
+          <a:p>
+            <a:pPr lvl="2"/>
+            <a:r>
+              <a:rPr lang="en-US" altLang="zh-CN" dirty="0" smtClean="0">
+                <a:solidFill>
+                  <a:srgbClr val="FFFF00"/>
+                </a:solidFill>
+              </a:rPr>
+              <a:t>Progress:</a:t>
+            </a:r>
+            <a:r>
+              <a:rPr lang="zh-CN" altLang="en-US" dirty="0" smtClean="0">
+                <a:solidFill>
+                  <a:srgbClr val="FFFF00"/>
+                </a:solidFill>
+              </a:rPr>
+              <a:t>后台任务完成的进度值类型</a:t>
+            </a:r>
+            <a:endParaRPr lang="en-US" altLang="zh-CN" dirty="0" smtClean="0">
+              <a:solidFill>
+                <a:srgbClr val="FFFF00"/>
+              </a:solidFill>
+            </a:endParaRPr>
+          </a:p>
+          <a:p>
+            <a:pPr lvl="2"/>
+            <a:r>
+              <a:rPr lang="en-US" altLang="zh-CN" dirty="0" smtClean="0">
+                <a:solidFill>
+                  <a:srgbClr val="FFFF00"/>
+                </a:solidFill>
+              </a:rPr>
+              <a:t>Result:</a:t>
+            </a:r>
+            <a:r>
+              <a:rPr lang="zh-CN" altLang="en-US" dirty="0" smtClean="0">
+                <a:solidFill>
+                  <a:srgbClr val="FFFF00"/>
+                </a:solidFill>
+              </a:rPr>
+              <a:t>后台执行完任务后返回的结果类型</a:t>
+            </a:r>
+            <a:endParaRPr lang="en-US" altLang="zh-CN" dirty="0" smtClean="0">
+              <a:solidFill>
+                <a:srgbClr val="FFFF00"/>
+              </a:solidFill>
+            </a:endParaRPr>
+          </a:p>
+          <a:p>
+            <a:pPr lvl="1"/>
+            <a:endParaRPr lang="en-US" altLang="zh-CN" dirty="0">
+              <a:solidFill>
+                <a:srgbClr val="FFFF00"/>
+              </a:solidFill>
+            </a:endParaRPr>
+          </a:p>
+          <a:p>
+            <a:pPr marL="457200" lvl="1" indent="0">
+              <a:buNone/>
+            </a:pPr>
+            <a:r>
+              <a:rPr lang="zh-CN" altLang="en-US" dirty="0"/>
+              <a:t>注：如果某个泛型参数不需指定类型，可将其指定为</a:t>
+            </a:r>
+            <a:r>
+              <a:rPr lang="en-US" altLang="zh-CN" dirty="0" smtClean="0">
+                <a:solidFill>
+                  <a:srgbClr val="FFFF00"/>
+                </a:solidFill>
+              </a:rPr>
+              <a:t>Void</a:t>
+            </a:r>
+            <a:endParaRPr lang="zh-CN" altLang="en-US" dirty="0">
+              <a:solidFill>
+                <a:srgbClr val="FFFF00"/>
+              </a:solidFill>
+            </a:endParaRPr>
+          </a:p>
+        </p:txBody>
+      </p:sp>
+    </p:spTree>
+    <p:extLst>
+      <p:ext uri="{BB962C8B-B14F-4D97-AF65-F5344CB8AC3E}">
+        <p14:creationId xmlns:p14="http://schemas.microsoft.com/office/powerpoint/2010/main" val="2355572426"/>
+      </p:ext>
+    </p:extLst>
+  </p:cSld>
+  <p:clrMapOvr>
+    <a:masterClrMapping/>
+  </p:clrMapOvr>
+  <p:timing>
+    <p:tnLst>
+      <p:par>
+        <p:cTn id="1" dur="indefinite" restart="never" nodeType="tmRoot"/>
+      </p:par>
+    </p:tnLst>
+  </p:timing>
+</p:sld>
+</file>
+
+<file path=ppt/slides/slide7.xml><?xml version="1.0" encoding="utf-8"?>
+<p:sld xmlns:a="http://schemas.openxmlformats.org/drawingml/2006/main" xmlns:r="http://schemas.openxmlformats.org/officeDocument/2006/relationships" xmlns:p="http://schemas.openxmlformats.org/presentationml/2006/main">
+  <p:cSld>
+    <p:spTree>
+      <p:nvGrpSpPr>
+        <p:cNvPr id="1" name=""/>
+        <p:cNvGrpSpPr/>
+        <p:nvPr/>
+      </p:nvGrpSpPr>
+      <p:grpSpPr>
+        <a:xfrm>
+          <a:off x="0" y="0"/>
+          <a:ext cx="0" cy="0"/>
+          <a:chOff x="0" y="0"/>
+          <a:chExt cx="0" cy="0"/>
+        </a:xfrm>
+      </p:grpSpPr>
+      <p:sp>
+        <p:nvSpPr>
+          <p:cNvPr id="2" name="标题 1"/>
+          <p:cNvSpPr>
+            <a:spLocks noGrp="1"/>
+          </p:cNvSpPr>
+          <p:nvPr>
+            <p:ph type="title"/>
+          </p:nvPr>
+        </p:nvSpPr>
+        <p:spPr/>
+        <p:txBody>
+          <a:bodyPr/>
+          <a:lstStyle/>
+          <a:p>
+            <a:r>
+              <a:rPr lang="en-US" altLang="zh-CN" dirty="0" err="1"/>
+              <a:t>AsyncTask</a:t>
+            </a:r>
+            <a:r>
+              <a:rPr lang="zh-CN" altLang="en-US" dirty="0"/>
+              <a:t>的一般用法</a:t>
+            </a:r>
+          </a:p>
+        </p:txBody>
+      </p:sp>
+      <p:sp>
+        <p:nvSpPr>
+          <p:cNvPr id="3" name="内容占位符 2"/>
+          <p:cNvSpPr>
+            <a:spLocks noGrp="1"/>
+          </p:cNvSpPr>
+          <p:nvPr>
+            <p:ph idx="1"/>
+          </p:nvPr>
+        </p:nvSpPr>
+        <p:spPr>
+          <a:xfrm>
+            <a:off x="1403350" y="1314450"/>
+            <a:ext cx="7561263" cy="5282902"/>
+          </a:xfrm>
+        </p:spPr>
+        <p:txBody>
+          <a:bodyPr/>
+          <a:lstStyle/>
+          <a:p>
+            <a:r>
+              <a:rPr lang="zh-CN" altLang="en-US" dirty="0" smtClean="0"/>
+              <a:t>实现</a:t>
+            </a:r>
+            <a:r>
+              <a:rPr lang="en-US" altLang="zh-CN" dirty="0" err="1" smtClean="0"/>
+              <a:t>AsyncTask</a:t>
+            </a:r>
+            <a:r>
+              <a:rPr lang="zh-CN" altLang="en-US" dirty="0" smtClean="0"/>
+              <a:t>类中的抽象方法</a:t>
+            </a:r>
+            <a:endParaRPr lang="en-US" altLang="zh-CN" dirty="0" smtClean="0"/>
+          </a:p>
+          <a:p>
+            <a:pPr lvl="1"/>
+            <a:r>
+              <a:rPr lang="en-US" altLang="zh-CN" b="1" dirty="0" err="1" smtClean="0">
+                <a:solidFill>
+                  <a:srgbClr val="92D050"/>
+                </a:solidFill>
+              </a:rPr>
+              <a:t>onPreExecute</a:t>
+            </a:r>
+            <a:r>
+              <a:rPr lang="en-US" altLang="zh-CN" b="1" dirty="0" smtClean="0">
+                <a:solidFill>
+                  <a:srgbClr val="92D050"/>
+                </a:solidFill>
+              </a:rPr>
+              <a:t>()</a:t>
+            </a:r>
+          </a:p>
+          <a:p>
+            <a:pPr lvl="1"/>
+            <a:r>
+              <a:rPr lang="en-US" altLang="zh-CN" dirty="0">
+                <a:solidFill>
+                  <a:srgbClr val="FFFF00"/>
+                </a:solidFill>
+              </a:rPr>
+              <a:t>Result </a:t>
+            </a:r>
+            <a:r>
+              <a:rPr lang="en-US" altLang="zh-CN" b="1" dirty="0" err="1" smtClean="0"/>
+              <a:t>doInBackground</a:t>
+            </a:r>
+            <a:r>
+              <a:rPr lang="en-US" altLang="zh-CN" b="1" dirty="0" smtClean="0"/>
+              <a:t>(</a:t>
+            </a:r>
+            <a:r>
+              <a:rPr lang="en-US" altLang="zh-CN" dirty="0" err="1" smtClean="0">
+                <a:solidFill>
+                  <a:srgbClr val="FFFF00"/>
+                </a:solidFill>
+              </a:rPr>
+              <a:t>Params</a:t>
+            </a:r>
+            <a:r>
+              <a:rPr lang="en-US" altLang="zh-CN" dirty="0" smtClean="0">
+                <a:solidFill>
+                  <a:srgbClr val="FFFF00"/>
+                </a:solidFill>
+              </a:rPr>
+              <a:t>…</a:t>
+            </a:r>
+            <a:r>
+              <a:rPr lang="en-US" altLang="zh-CN" b="1" dirty="0" smtClean="0"/>
+              <a:t>)</a:t>
+            </a:r>
+          </a:p>
+          <a:p>
+            <a:pPr lvl="1"/>
+            <a:r>
+              <a:rPr lang="en-US" altLang="zh-CN" b="1" dirty="0" err="1" smtClean="0">
+                <a:solidFill>
+                  <a:srgbClr val="92D050"/>
+                </a:solidFill>
+              </a:rPr>
+              <a:t>onPostExecute</a:t>
+            </a:r>
+            <a:r>
+              <a:rPr lang="en-US" altLang="zh-CN" b="1" dirty="0" smtClean="0">
+                <a:solidFill>
+                  <a:srgbClr val="92D050"/>
+                </a:solidFill>
+              </a:rPr>
+              <a:t>(Void result)</a:t>
+            </a:r>
+          </a:p>
+          <a:p>
+            <a:pPr lvl="1"/>
+            <a:r>
+              <a:rPr lang="en-US" altLang="zh-CN" b="1" dirty="0" err="1" smtClean="0">
+                <a:solidFill>
+                  <a:srgbClr val="92D050"/>
+                </a:solidFill>
+              </a:rPr>
+              <a:t>onCancelled</a:t>
+            </a:r>
+            <a:r>
+              <a:rPr lang="en-US" altLang="zh-CN" b="1" dirty="0" smtClean="0">
+                <a:solidFill>
+                  <a:srgbClr val="92D050"/>
+                </a:solidFill>
+              </a:rPr>
+              <a:t>()</a:t>
+            </a:r>
+            <a:endParaRPr lang="en-US" altLang="zh-CN" b="1" dirty="0">
+              <a:solidFill>
+                <a:srgbClr val="92D050"/>
+              </a:solidFill>
+            </a:endParaRPr>
+          </a:p>
+          <a:p>
+            <a:pPr lvl="1"/>
+            <a:r>
+              <a:rPr lang="en-US" altLang="zh-CN" b="1" dirty="0" err="1" smtClean="0"/>
+              <a:t>publishProgress</a:t>
+            </a:r>
+            <a:r>
+              <a:rPr lang="en-US" altLang="zh-CN" b="1" dirty="0" smtClean="0"/>
+              <a:t>(</a:t>
+            </a:r>
+            <a:r>
+              <a:rPr lang="en-US" altLang="zh-CN" dirty="0" smtClean="0">
+                <a:solidFill>
+                  <a:srgbClr val="FFFF00"/>
+                </a:solidFill>
+              </a:rPr>
+              <a:t>Progress…</a:t>
+            </a:r>
+            <a:r>
+              <a:rPr lang="en-US" altLang="zh-CN" b="1" dirty="0" smtClean="0"/>
+              <a:t>)</a:t>
+            </a:r>
+          </a:p>
+          <a:p>
+            <a:pPr lvl="1"/>
+            <a:r>
+              <a:rPr lang="en-US" altLang="zh-CN" b="1" dirty="0" err="1" smtClean="0">
+                <a:solidFill>
+                  <a:srgbClr val="92D050"/>
+                </a:solidFill>
+              </a:rPr>
+              <a:t>onProgressUpdate</a:t>
+            </a:r>
+            <a:r>
+              <a:rPr lang="en-US" altLang="zh-CN" b="1" dirty="0" smtClean="0">
+                <a:solidFill>
+                  <a:srgbClr val="92D050"/>
+                </a:solidFill>
+              </a:rPr>
+              <a:t>(</a:t>
+            </a:r>
+            <a:r>
+              <a:rPr lang="en-US" altLang="zh-CN" dirty="0" smtClean="0">
+                <a:solidFill>
+                  <a:srgbClr val="FFFF00"/>
+                </a:solidFill>
+              </a:rPr>
+              <a:t>Progress...</a:t>
+            </a:r>
+            <a:r>
+              <a:rPr lang="en-US" altLang="zh-CN" b="1" dirty="0" smtClean="0">
+                <a:solidFill>
+                  <a:srgbClr val="92D050"/>
+                </a:solidFill>
+              </a:rPr>
+              <a:t>)</a:t>
+            </a:r>
+            <a:endParaRPr lang="en-US" altLang="zh-CN" dirty="0"/>
+          </a:p>
+          <a:p>
+            <a:r>
+              <a:rPr lang="zh-CN" altLang="en-US" dirty="0"/>
+              <a:t>说明</a:t>
+            </a:r>
+            <a:endParaRPr lang="en-US" altLang="zh-CN" dirty="0"/>
+          </a:p>
+          <a:p>
+            <a:pPr lvl="1"/>
+            <a:r>
+              <a:rPr lang="zh-CN" altLang="en-US" dirty="0" smtClean="0"/>
+              <a:t>以</a:t>
+            </a:r>
+            <a:r>
+              <a:rPr lang="en-US" altLang="zh-CN" dirty="0" smtClean="0"/>
+              <a:t>on</a:t>
+            </a:r>
+            <a:r>
+              <a:rPr lang="zh-CN" altLang="en-US" dirty="0" smtClean="0"/>
+              <a:t>开头的方法</a:t>
+            </a:r>
+            <a:r>
+              <a:rPr lang="zh-CN" altLang="en-US" dirty="0"/>
+              <a:t>由</a:t>
+            </a:r>
+            <a:r>
+              <a:rPr lang="en-US" altLang="zh-CN" dirty="0"/>
+              <a:t>Android</a:t>
+            </a:r>
+            <a:r>
+              <a:rPr lang="zh-CN" altLang="en-US" dirty="0"/>
+              <a:t>系统</a:t>
+            </a:r>
+            <a:r>
+              <a:rPr lang="zh-CN" altLang="en-US" dirty="0" smtClean="0"/>
+              <a:t>调用</a:t>
+            </a:r>
+            <a:endParaRPr lang="en-US" altLang="zh-CN" dirty="0" smtClean="0"/>
+          </a:p>
+          <a:p>
+            <a:pPr lvl="1"/>
+            <a:r>
+              <a:rPr lang="zh-CN" altLang="en-US" dirty="0" smtClean="0"/>
+              <a:t>并且在</a:t>
+            </a:r>
+            <a:r>
+              <a:rPr lang="en-US" altLang="zh-CN" dirty="0"/>
+              <a:t>UI</a:t>
+            </a:r>
+            <a:r>
+              <a:rPr lang="zh-CN" altLang="en-US" dirty="0"/>
+              <a:t>线程中</a:t>
+            </a:r>
+            <a:r>
+              <a:rPr lang="zh-CN" altLang="en-US" dirty="0" smtClean="0"/>
+              <a:t>执行</a:t>
+            </a:r>
+            <a:endParaRPr lang="zh-CN" altLang="en-US" dirty="0"/>
+          </a:p>
+        </p:txBody>
+      </p:sp>
+    </p:spTree>
+    <p:extLst>
+      <p:ext uri="{BB962C8B-B14F-4D97-AF65-F5344CB8AC3E}">
+        <p14:creationId xmlns:p14="http://schemas.microsoft.com/office/powerpoint/2010/main" val="378890245"/>
+      </p:ext>
+    </p:extLst>
+  </p:cSld>
+  <p:clrMapOvr>
+    <a:masterClrMapping/>
+  </p:clrMapOvr>
+  <p:timing>
+    <p:tnLst>
+      <p:par>
+        <p:cTn id="1" dur="indefinite" restart="never" nodeType="tmRoot"/>
+      </p:par>
+    </p:tnLst>
+  </p:timing>
+</p:sld>
+</file>
+
+<file path=ppt/slides/slide8.xml><?xml version="1.0" encoding="utf-8"?>
+<p:sld xmlns:a="http://schemas.openxmlformats.org/drawingml/2006/main" xmlns:r="http://schemas.openxmlformats.org/officeDocument/2006/relationships" xmlns:p="http://schemas.openxmlformats.org/presentationml/2006/main">
+  <p:cSld>
+    <p:spTree>
+      <p:nvGrpSpPr>
+        <p:cNvPr id="1" name=""/>
+        <p:cNvGrpSpPr/>
+        <p:nvPr/>
+      </p:nvGrpSpPr>
+      <p:grpSpPr>
+        <a:xfrm>
+          <a:off x="0" y="0"/>
+          <a:ext cx="0" cy="0"/>
+          <a:chOff x="0" y="0"/>
+          <a:chExt cx="0" cy="0"/>
+        </a:xfrm>
+      </p:grpSpPr>
+      <p:sp>
+        <p:nvSpPr>
+          <p:cNvPr id="2" name="标题 1"/>
+          <p:cNvSpPr>
+            <a:spLocks noGrp="1"/>
+          </p:cNvSpPr>
+          <p:nvPr>
+            <p:ph type="title"/>
+          </p:nvPr>
+        </p:nvSpPr>
+        <p:spPr/>
+        <p:txBody>
+          <a:bodyPr/>
+          <a:lstStyle/>
+          <a:p>
+            <a:r>
+              <a:rPr lang="zh-CN" altLang="en-US" dirty="0"/>
+              <a:t>使用</a:t>
+            </a:r>
+            <a:r>
+              <a:rPr lang="en-US" altLang="zh-CN" dirty="0" err="1"/>
+              <a:t>AsyncTask</a:t>
+            </a:r>
+            <a:r>
+              <a:rPr lang="zh-CN" altLang="en-US" dirty="0"/>
+              <a:t>的注意</a:t>
+            </a:r>
+            <a:r>
+              <a:rPr lang="zh-CN" altLang="en-US" dirty="0" smtClean="0"/>
+              <a:t>事项</a:t>
+            </a:r>
+            <a:endParaRPr lang="zh-CN" altLang="en-US" dirty="0"/>
+          </a:p>
+        </p:txBody>
+      </p:sp>
+      <p:sp>
+        <p:nvSpPr>
+          <p:cNvPr id="3" name="内容占位符 2"/>
+          <p:cNvSpPr>
+            <a:spLocks noGrp="1"/>
+          </p:cNvSpPr>
+          <p:nvPr>
+            <p:ph idx="1"/>
+          </p:nvPr>
+        </p:nvSpPr>
+        <p:spPr/>
+        <p:txBody>
+          <a:bodyPr/>
+          <a:lstStyle/>
+          <a:p>
+            <a:r>
+              <a:rPr lang="zh-CN" altLang="en-US" dirty="0" smtClean="0"/>
+              <a:t>使用</a:t>
+            </a:r>
+            <a:r>
+              <a:rPr lang="en-US" altLang="zh-CN" dirty="0" err="1" smtClean="0"/>
+              <a:t>AsyncTask</a:t>
+            </a:r>
+            <a:r>
+              <a:rPr lang="zh-CN" altLang="en-US" dirty="0" smtClean="0"/>
+              <a:t>时</a:t>
+            </a:r>
+            <a:r>
+              <a:rPr lang="en-US" altLang="zh-CN" dirty="0" smtClean="0"/>
+              <a:t>,</a:t>
+            </a:r>
+            <a:r>
+              <a:rPr lang="zh-CN" altLang="en-US" dirty="0" smtClean="0"/>
+              <a:t>必须遵守的规则</a:t>
+            </a:r>
+            <a:endParaRPr lang="en-US" altLang="zh-CN" dirty="0" smtClean="0"/>
+          </a:p>
+          <a:p>
+            <a:pPr lvl="1"/>
+            <a:r>
+              <a:rPr lang="zh-CN" altLang="en-US" dirty="0" smtClean="0"/>
+              <a:t>在</a:t>
+            </a:r>
+            <a:r>
+              <a:rPr lang="en-US" altLang="zh-CN" dirty="0" smtClean="0"/>
+              <a:t>UI</a:t>
+            </a:r>
+            <a:r>
+              <a:rPr lang="zh-CN" altLang="en-US" dirty="0" smtClean="0"/>
+              <a:t>线程中创建</a:t>
+            </a:r>
+            <a:r>
+              <a:rPr lang="en-US" altLang="zh-CN" dirty="0" err="1" smtClean="0"/>
+              <a:t>AsyncTask</a:t>
+            </a:r>
+            <a:r>
+              <a:rPr lang="zh-CN" altLang="en-US" dirty="0" smtClean="0"/>
+              <a:t>的实例</a:t>
+            </a:r>
+            <a:endParaRPr lang="en-US" altLang="zh-CN" dirty="0" smtClean="0"/>
+          </a:p>
+          <a:p>
+            <a:pPr lvl="1"/>
+            <a:r>
+              <a:rPr lang="zh-CN" altLang="en-US" dirty="0" smtClean="0"/>
+              <a:t>在</a:t>
+            </a:r>
+            <a:r>
+              <a:rPr lang="en-US" altLang="zh-CN" dirty="0" smtClean="0"/>
+              <a:t>UI</a:t>
+            </a:r>
+            <a:r>
+              <a:rPr lang="zh-CN" altLang="en-US" dirty="0" smtClean="0"/>
+              <a:t>线程中执行</a:t>
+            </a:r>
+            <a:r>
+              <a:rPr lang="en-US" altLang="zh-CN" dirty="0" err="1" smtClean="0"/>
+              <a:t>AsyncTask.execute</a:t>
+            </a:r>
+            <a:r>
+              <a:rPr lang="en-US" altLang="zh-CN" dirty="0" smtClean="0"/>
+              <a:t>()</a:t>
+            </a:r>
+          </a:p>
+          <a:p>
+            <a:pPr lvl="1"/>
+            <a:r>
+              <a:rPr lang="zh-CN" altLang="en-US" dirty="0" smtClean="0"/>
+              <a:t>以</a:t>
+            </a:r>
+            <a:r>
+              <a:rPr lang="en-US" altLang="zh-CN" dirty="0" smtClean="0"/>
+              <a:t>on</a:t>
+            </a:r>
+            <a:r>
+              <a:rPr lang="zh-CN" altLang="en-US" dirty="0" smtClean="0"/>
+              <a:t>开头的方法只能由</a:t>
+            </a:r>
+            <a:r>
+              <a:rPr lang="en-US" altLang="zh-CN" dirty="0" smtClean="0"/>
+              <a:t>Android</a:t>
+            </a:r>
+            <a:r>
+              <a:rPr lang="zh-CN" altLang="en-US" dirty="0" smtClean="0"/>
+              <a:t>系统调用</a:t>
+            </a:r>
+            <a:endParaRPr lang="en-US" altLang="zh-CN" dirty="0" smtClean="0"/>
+          </a:p>
+          <a:p>
+            <a:pPr lvl="1"/>
+            <a:r>
+              <a:rPr lang="zh-CN" altLang="en-US" dirty="0" smtClean="0">
+                <a:solidFill>
+                  <a:srgbClr val="FFFF00"/>
+                </a:solidFill>
+              </a:rPr>
+              <a:t>每个</a:t>
+            </a:r>
+            <a:r>
+              <a:rPr lang="en-US" altLang="zh-CN" dirty="0" err="1" smtClean="0">
+                <a:solidFill>
+                  <a:srgbClr val="FFFF00"/>
+                </a:solidFill>
+              </a:rPr>
+              <a:t>AsyncTask</a:t>
+            </a:r>
+            <a:r>
+              <a:rPr lang="zh-CN" altLang="en-US" dirty="0" smtClean="0">
+                <a:solidFill>
+                  <a:srgbClr val="FFFF00"/>
+                </a:solidFill>
+              </a:rPr>
+              <a:t>只能被执行一次</a:t>
+            </a:r>
+            <a:r>
+              <a:rPr lang="en-US" altLang="zh-CN" dirty="0" smtClean="0">
+                <a:solidFill>
+                  <a:srgbClr val="FFFF00"/>
+                </a:solidFill>
+              </a:rPr>
+              <a:t>,</a:t>
+            </a:r>
+            <a:r>
+              <a:rPr lang="zh-CN" altLang="en-US" dirty="0" smtClean="0">
+                <a:solidFill>
+                  <a:srgbClr val="FFFF00"/>
+                </a:solidFill>
+              </a:rPr>
+              <a:t>多次调用会引发异常</a:t>
+            </a:r>
+            <a:endParaRPr lang="zh-CN" altLang="en-US" dirty="0">
+              <a:solidFill>
+                <a:srgbClr val="FFFF00"/>
+              </a:solidFill>
+            </a:endParaRPr>
+          </a:p>
+        </p:txBody>
+      </p:sp>
+    </p:spTree>
+    <p:extLst>
+      <p:ext uri="{BB962C8B-B14F-4D97-AF65-F5344CB8AC3E}">
+        <p14:creationId xmlns:p14="http://schemas.microsoft.com/office/powerpoint/2010/main" val="752447735"/>
+      </p:ext>
+    </p:extLst>
+  </p:cSld>
+  <p:clrMapOvr>
+    <a:masterClrMapping/>
+  </p:clrMapOvr>
+  <p:timing>
+    <p:tnLst>
+      <p:par>
+        <p:cTn id="1" dur="indefinite" restart="never" nodeType="tmRoot"/>
+      </p:par>
+    </p:tnLst>
+  </p:timing>
+</p:sld>
+</file>
+
+<file path=ppt/slides/slide9.xml><?xml version="1.0" encoding="utf-8"?>
 <p:sld xmlns:a="http://schemas.openxmlformats.org/drawingml/2006/main" xmlns:r="http://schemas.openxmlformats.org/officeDocument/2006/relationships" xmlns:p="http://schemas.openxmlformats.org/presentationml/2006/main">
   <p:cSld>
     <p:spTree>
